--- a/docs/diagrams/ModelComponentClassDiagram.pptx
+++ b/docs/diagrams/ModelComponentClassDiagram.pptx
@@ -1,6 +1,6 @@
 
 <file path=ppt/presentation.xml><?xml version="1.0" encoding="utf-8"?>
-<p:presentation xmlns:a="http://schemas.openxmlformats.org/drawingml/2006/main" xmlns:r="http://schemas.openxmlformats.org/officeDocument/2006/relationships" xmlns:p="http://schemas.openxmlformats.org/presentationml/2006/main" saveSubsetFonts="1">
+<p:presentation xmlns:a="http://schemas.openxmlformats.org/drawingml/2006/main" xmlns:r="http://schemas.openxmlformats.org/officeDocument/2006/relationships" xmlns:p="http://schemas.openxmlformats.org/presentationml/2006/main" removePersonalInfoOnSave="1" saveSubsetFonts="1">
   <p:sldMasterIdLst>
     <p:sldMasterId id="2147483648" r:id="rId1"/>
   </p:sldMasterIdLst>
@@ -208,7 +208,7 @@
           <a:p>
             <a:fld id="{F5CC4B3F-88C1-4FFA-B1B6-F41C21DC6924}" type="datetimeFigureOut">
               <a:rPr lang="en-US" smtClean="0"/>
-              <a:t>11/3/18</a:t>
+              <a:t>12/5/2018</a:t>
             </a:fld>
             <a:endParaRPr lang="en-US"/>
           </a:p>
@@ -475,90 +475,6 @@
 </p:notesMaster>
 </file>
 
-<file path=ppt/notesSlides/notesSlide1.xml><?xml version="1.0" encoding="utf-8"?>
-<p:notes xmlns:a="http://schemas.openxmlformats.org/drawingml/2006/main" xmlns:r="http://schemas.openxmlformats.org/officeDocument/2006/relationships" xmlns:p="http://schemas.openxmlformats.org/presentationml/2006/main">
-  <p:cSld>
-    <p:spTree>
-      <p:nvGrpSpPr>
-        <p:cNvPr id="1" name=""/>
-        <p:cNvGrpSpPr/>
-        <p:nvPr/>
-      </p:nvGrpSpPr>
-      <p:grpSpPr>
-        <a:xfrm>
-          <a:off x="0" y="0"/>
-          <a:ext cx="0" cy="0"/>
-          <a:chOff x="0" y="0"/>
-          <a:chExt cx="0" cy="0"/>
-        </a:xfrm>
-      </p:grpSpPr>
-      <p:sp>
-        <p:nvSpPr>
-          <p:cNvPr id="2" name="Slide Image Placeholder 1"/>
-          <p:cNvSpPr>
-            <a:spLocks noGrp="1" noRot="1" noChangeAspect="1"/>
-          </p:cNvSpPr>
-          <p:nvPr>
-            <p:ph type="sldImg"/>
-          </p:nvPr>
-        </p:nvSpPr>
-        <p:spPr/>
-      </p:sp>
-      <p:sp>
-        <p:nvSpPr>
-          <p:cNvPr id="3" name="Notes Placeholder 2"/>
-          <p:cNvSpPr>
-            <a:spLocks noGrp="1"/>
-          </p:cNvSpPr>
-          <p:nvPr>
-            <p:ph type="body" idx="1"/>
-          </p:nvPr>
-        </p:nvSpPr>
-        <p:spPr/>
-        <p:txBody>
-          <a:bodyPr/>
-          <a:lstStyle/>
-          <a:p>
-            <a:endParaRPr lang="en-US" dirty="0"/>
-          </a:p>
-        </p:txBody>
-      </p:sp>
-      <p:sp>
-        <p:nvSpPr>
-          <p:cNvPr id="4" name="Slide Number Placeholder 3"/>
-          <p:cNvSpPr>
-            <a:spLocks noGrp="1"/>
-          </p:cNvSpPr>
-          <p:nvPr>
-            <p:ph type="sldNum" sz="quarter" idx="10"/>
-          </p:nvPr>
-        </p:nvSpPr>
-        <p:spPr/>
-        <p:txBody>
-          <a:bodyPr/>
-          <a:lstStyle/>
-          <a:p>
-            <a:fld id="{5A7AB025-77E3-4BD1-A2FD-B3183DBA47A3}" type="slidenum">
-              <a:rPr lang="en-US" smtClean="0"/>
-              <a:t>1</a:t>
-            </a:fld>
-            <a:endParaRPr lang="en-US"/>
-          </a:p>
-        </p:txBody>
-      </p:sp>
-    </p:spTree>
-    <p:extLst>
-      <p:ext uri="{BB962C8B-B14F-4D97-AF65-F5344CB8AC3E}">
-        <p14:creationId xmlns:p14="http://schemas.microsoft.com/office/powerpoint/2010/main" val="953489920"/>
-      </p:ext>
-    </p:extLst>
-  </p:cSld>
-  <p:clrMapOvr>
-    <a:masterClrMapping/>
-  </p:clrMapOvr>
-</p:notes>
-</file>
-
 <file path=ppt/slideLayouts/slideLayout1.xml><?xml version="1.0" encoding="utf-8"?>
 <p:sldLayout xmlns:a="http://schemas.openxmlformats.org/drawingml/2006/main" xmlns:r="http://schemas.openxmlformats.org/officeDocument/2006/relationships" xmlns:p="http://schemas.openxmlformats.org/presentationml/2006/main" type="title" preserve="1">
   <p:cSld name="Title Slide">
@@ -738,7 +654,7 @@
           <a:p>
             <a:fld id="{78C97017-6FC3-485B-9764-EAC9E56C1D49}" type="datetimeFigureOut">
               <a:rPr lang="en-US" smtClean="0"/>
-              <a:t>11/3/18</a:t>
+              <a:t>12/5/2018</a:t>
             </a:fld>
             <a:endParaRPr lang="en-US"/>
           </a:p>
@@ -906,7 +822,7 @@
           <a:p>
             <a:fld id="{78C97017-6FC3-485B-9764-EAC9E56C1D49}" type="datetimeFigureOut">
               <a:rPr lang="en-US" smtClean="0"/>
-              <a:t>11/3/18</a:t>
+              <a:t>12/5/2018</a:t>
             </a:fld>
             <a:endParaRPr lang="en-US"/>
           </a:p>
@@ -1084,7 +1000,7 @@
           <a:p>
             <a:fld id="{78C97017-6FC3-485B-9764-EAC9E56C1D49}" type="datetimeFigureOut">
               <a:rPr lang="en-US" smtClean="0"/>
-              <a:t>11/3/18</a:t>
+              <a:t>12/5/2018</a:t>
             </a:fld>
             <a:endParaRPr lang="en-US"/>
           </a:p>
@@ -1252,7 +1168,7 @@
           <a:p>
             <a:fld id="{78C97017-6FC3-485B-9764-EAC9E56C1D49}" type="datetimeFigureOut">
               <a:rPr lang="en-US" smtClean="0"/>
-              <a:t>11/3/18</a:t>
+              <a:t>12/5/2018</a:t>
             </a:fld>
             <a:endParaRPr lang="en-US"/>
           </a:p>
@@ -1497,7 +1413,7 @@
           <a:p>
             <a:fld id="{78C97017-6FC3-485B-9764-EAC9E56C1D49}" type="datetimeFigureOut">
               <a:rPr lang="en-US" smtClean="0"/>
-              <a:t>11/3/18</a:t>
+              <a:t>12/5/2018</a:t>
             </a:fld>
             <a:endParaRPr lang="en-US"/>
           </a:p>
@@ -1782,7 +1698,7 @@
           <a:p>
             <a:fld id="{78C97017-6FC3-485B-9764-EAC9E56C1D49}" type="datetimeFigureOut">
               <a:rPr lang="en-US" smtClean="0"/>
-              <a:t>11/3/18</a:t>
+              <a:t>12/5/2018</a:t>
             </a:fld>
             <a:endParaRPr lang="en-US"/>
           </a:p>
@@ -2201,7 +2117,7 @@
           <a:p>
             <a:fld id="{78C97017-6FC3-485B-9764-EAC9E56C1D49}" type="datetimeFigureOut">
               <a:rPr lang="en-US" smtClean="0"/>
-              <a:t>11/3/18</a:t>
+              <a:t>12/5/2018</a:t>
             </a:fld>
             <a:endParaRPr lang="en-US"/>
           </a:p>
@@ -2318,7 +2234,7 @@
           <a:p>
             <a:fld id="{78C97017-6FC3-485B-9764-EAC9E56C1D49}" type="datetimeFigureOut">
               <a:rPr lang="en-US" smtClean="0"/>
-              <a:t>11/3/18</a:t>
+              <a:t>12/5/2018</a:t>
             </a:fld>
             <a:endParaRPr lang="en-US"/>
           </a:p>
@@ -2413,7 +2329,7 @@
           <a:p>
             <a:fld id="{78C97017-6FC3-485B-9764-EAC9E56C1D49}" type="datetimeFigureOut">
               <a:rPr lang="en-US" smtClean="0"/>
-              <a:t>11/3/18</a:t>
+              <a:t>12/5/2018</a:t>
             </a:fld>
             <a:endParaRPr lang="en-US"/>
           </a:p>
@@ -2688,7 +2604,7 @@
           <a:p>
             <a:fld id="{78C97017-6FC3-485B-9764-EAC9E56C1D49}" type="datetimeFigureOut">
               <a:rPr lang="en-US" smtClean="0"/>
-              <a:t>11/3/18</a:t>
+              <a:t>12/5/2018</a:t>
             </a:fld>
             <a:endParaRPr lang="en-US"/>
           </a:p>
@@ -2940,7 +2856,7 @@
           <a:p>
             <a:fld id="{78C97017-6FC3-485B-9764-EAC9E56C1D49}" type="datetimeFigureOut">
               <a:rPr lang="en-US" smtClean="0"/>
-              <a:t>11/3/18</a:t>
+              <a:t>12/5/2018</a:t>
             </a:fld>
             <a:endParaRPr lang="en-US"/>
           </a:p>
@@ -3151,7 +3067,7 @@
           <a:p>
             <a:fld id="{78C97017-6FC3-485B-9764-EAC9E56C1D49}" type="datetimeFigureOut">
               <a:rPr lang="en-US" smtClean="0"/>
-              <a:t>11/3/18</a:t>
+              <a:t>12/5/2018</a:t>
             </a:fld>
             <a:endParaRPr lang="en-US"/>
           </a:p>
@@ -3534,8 +3450,8 @@
         </p:nvSpPr>
         <p:spPr>
           <a:xfrm>
-            <a:off x="304800" y="24646"/>
-            <a:ext cx="8541261" cy="6705600"/>
+            <a:off x="1119865" y="1600200"/>
+            <a:ext cx="7490735" cy="3124200"/>
           </a:xfrm>
           <a:prstGeom prst="roundRect">
             <a:avLst>
@@ -3595,7 +3511,63 @@
         </p:nvSpPr>
         <p:spPr>
           <a:xfrm>
-            <a:off x="2020635" y="4569836"/>
+            <a:off x="2825280" y="3463240"/>
+            <a:ext cx="878211" cy="346760"/>
+          </a:xfrm>
+          <a:prstGeom prst="rect">
+            <a:avLst/>
+          </a:prstGeom>
+          <a:ln w="19050">
+            <a:solidFill>
+              <a:srgbClr val="7030A0"/>
+            </a:solidFill>
+          </a:ln>
+          <a:effectLst/>
+        </p:spPr>
+        <p:style>
+          <a:lnRef idx="1">
+            <a:schemeClr val="accent4"/>
+          </a:lnRef>
+          <a:fillRef idx="2">
+            <a:schemeClr val="accent4"/>
+          </a:fillRef>
+          <a:effectRef idx="1">
+            <a:schemeClr val="accent4"/>
+          </a:effectRef>
+          <a:fontRef idx="minor">
+            <a:schemeClr val="dk1"/>
+          </a:fontRef>
+        </p:style>
+        <p:txBody>
+          <a:bodyPr rtlCol="0" anchor="ctr"/>
+          <a:lstStyle/>
+          <a:p>
+            <a:pPr algn="ctr"/>
+            <a:r>
+              <a:rPr lang="en-US" sz="1050" dirty="0" err="1">
+                <a:solidFill>
+                  <a:srgbClr val="7030A0"/>
+                </a:solidFill>
+              </a:rPr>
+              <a:t>UserPrefs</a:t>
+            </a:r>
+            <a:endParaRPr lang="en-SG" sz="1050" dirty="0">
+              <a:solidFill>
+                <a:srgbClr val="7030A0"/>
+              </a:solidFill>
+            </a:endParaRPr>
+          </a:p>
+        </p:txBody>
+      </p:sp>
+      <p:sp>
+        <p:nvSpPr>
+          <p:cNvPr id="9" name="Rectangle 62"/>
+          <p:cNvSpPr/>
+          <p:nvPr/>
+        </p:nvSpPr>
+        <p:spPr>
+          <a:xfrm rot="16200000">
+            <a:off x="1661548" y="3097750"/>
             <a:ext cx="1093635" cy="346760"/>
           </a:xfrm>
           <a:prstGeom prst="rect">
@@ -3636,7 +3608,7 @@
                   <a:schemeClr val="bg1"/>
                 </a:solidFill>
               </a:rPr>
-              <a:t>UserPref</a:t>
+              <a:t>ModelManager</a:t>
             </a:r>
             <a:endParaRPr lang="en-SG" sz="1050" dirty="0">
               <a:solidFill>
@@ -3646,81 +3618,25 @@
           </a:p>
         </p:txBody>
       </p:sp>
-      <p:sp>
-        <p:nvSpPr>
-          <p:cNvPr id="9" name="Rectangle 62"/>
-          <p:cNvSpPr/>
-          <p:nvPr/>
-        </p:nvSpPr>
-        <p:spPr>
-          <a:xfrm rot="16200000">
-            <a:off x="-892893" y="3343591"/>
-            <a:ext cx="4548458" cy="346760"/>
-          </a:xfrm>
-          <a:prstGeom prst="rect">
-            <a:avLst/>
-          </a:prstGeom>
-          <a:solidFill>
-            <a:srgbClr val="7030A0"/>
-          </a:solidFill>
-          <a:ln w="19050">
-            <a:solidFill>
-              <a:srgbClr val="7030A0"/>
-            </a:solidFill>
-          </a:ln>
-          <a:effectLst/>
-        </p:spPr>
-        <p:style>
-          <a:lnRef idx="1">
-            <a:schemeClr val="accent2"/>
-          </a:lnRef>
-          <a:fillRef idx="2">
-            <a:schemeClr val="accent2"/>
-          </a:fillRef>
-          <a:effectRef idx="1">
-            <a:schemeClr val="accent2"/>
-          </a:effectRef>
-          <a:fontRef idx="minor">
-            <a:schemeClr val="dk1"/>
-          </a:fontRef>
-        </p:style>
-        <p:txBody>
-          <a:bodyPr rtlCol="0" anchor="ctr"/>
-          <a:lstStyle/>
-          <a:p>
-            <a:pPr algn="ctr"/>
-            <a:r>
-              <a:rPr lang="en-US" sz="1050" dirty="0" err="1">
-                <a:solidFill>
-                  <a:schemeClr val="bg1"/>
-                </a:solidFill>
-              </a:rPr>
-              <a:t>ModelManager</a:t>
-            </a:r>
-            <a:endParaRPr lang="en-SG" sz="1050" dirty="0">
-              <a:solidFill>
-                <a:schemeClr val="bg1"/>
-              </a:solidFill>
-            </a:endParaRPr>
-          </a:p>
-        </p:txBody>
-      </p:sp>
       <p:cxnSp>
         <p:nvCxnSpPr>
           <p:cNvPr id="107" name="Elbow Connector 106"/>
           <p:cNvCxnSpPr>
             <a:cxnSpLocks/>
+            <a:stCxn id="9" idx="1"/>
             <a:endCxn id="62" idx="2"/>
           </p:cNvCxnSpPr>
           <p:nvPr/>
         </p:nvCxnSpPr>
         <p:spPr>
-          <a:xfrm flipV="1">
-            <a:off x="1561282" y="1723256"/>
-            <a:ext cx="4279458" cy="178683"/>
-          </a:xfrm>
-          <a:prstGeom prst="bentConnector2">
-            <a:avLst/>
+          <a:xfrm rot="5400000" flipH="1" flipV="1">
+            <a:off x="4131507" y="1281685"/>
+            <a:ext cx="613122" cy="4459404"/>
+          </a:xfrm>
+          <a:prstGeom prst="bentConnector3">
+            <a:avLst>
+              <a:gd name="adj1" fmla="val -26668"/>
+            </a:avLst>
           </a:prstGeom>
           <a:ln w="19050">
             <a:solidFill>
@@ -3755,7 +3671,7 @@
         </p:nvSpPr>
         <p:spPr>
           <a:xfrm rot="16200000">
-            <a:off x="129172" y="1379632"/>
+            <a:off x="956202" y="2861202"/>
             <a:ext cx="1093635" cy="346760"/>
           </a:xfrm>
           <a:prstGeom prst="rect">
@@ -3825,7 +3741,7 @@
         </p:nvSpPr>
         <p:spPr>
           <a:xfrm rot="16200000">
-            <a:off x="799880" y="1470721"/>
+            <a:off x="1626910" y="2952291"/>
             <a:ext cx="270504" cy="175523"/>
           </a:xfrm>
           <a:prstGeom prst="triangle">
@@ -3866,13 +3782,55 @@
       </p:sp>
       <p:cxnSp>
         <p:nvCxnSpPr>
+          <p:cNvPr id="58" name="Straight Arrow Connector 57"/>
+          <p:cNvCxnSpPr>
+            <a:cxnSpLocks/>
+            <a:stCxn id="42" idx="3"/>
+            <a:endCxn id="2" idx="1"/>
+          </p:cNvCxnSpPr>
+          <p:nvPr/>
+        </p:nvCxnSpPr>
+        <p:spPr>
+          <a:xfrm>
+            <a:off x="2609828" y="3636620"/>
+            <a:ext cx="215452" cy="0"/>
+          </a:xfrm>
+          <a:prstGeom prst="straightConnector1">
+            <a:avLst/>
+          </a:prstGeom>
+          <a:ln w="19050">
+            <a:solidFill>
+              <a:srgbClr val="7030A0"/>
+            </a:solidFill>
+            <a:headEnd type="none" w="med" len="med"/>
+            <a:tailEnd type="arrow" w="med" len="med"/>
+          </a:ln>
+          <a:effectLst/>
+        </p:spPr>
+        <p:style>
+          <a:lnRef idx="1">
+            <a:schemeClr val="accent2"/>
+          </a:lnRef>
+          <a:fillRef idx="2">
+            <a:schemeClr val="accent2"/>
+          </a:fillRef>
+          <a:effectRef idx="1">
+            <a:schemeClr val="accent2"/>
+          </a:effectRef>
+          <a:fontRef idx="minor">
+            <a:schemeClr val="dk1"/>
+          </a:fontRef>
+        </p:style>
+      </p:cxnSp>
+      <p:cxnSp>
+        <p:nvCxnSpPr>
           <p:cNvPr id="75" name="Elbow Connector 122"/>
           <p:cNvCxnSpPr/>
           <p:nvPr/>
         </p:nvCxnSpPr>
         <p:spPr>
           <a:xfrm>
-            <a:off x="83061" y="1558483"/>
+            <a:off x="910091" y="3040053"/>
             <a:ext cx="419548" cy="2860"/>
           </a:xfrm>
           <a:prstGeom prst="bentConnector3">
@@ -3917,7 +3875,7 @@
         </p:nvCxnSpPr>
         <p:spPr>
           <a:xfrm flipV="1">
-            <a:off x="1022894" y="1558482"/>
+            <a:off x="1849924" y="3040052"/>
             <a:ext cx="216105" cy="1"/>
           </a:xfrm>
           <a:prstGeom prst="line">
@@ -3948,107 +3906,51 @@
           </a:fontRef>
         </p:style>
       </p:cxnSp>
-      <p:grpSp>
-        <p:nvGrpSpPr>
-          <p:cNvPr id="146" name="Group 145"/>
-          <p:cNvGrpSpPr/>
+      <p:sp>
+        <p:nvSpPr>
+          <p:cNvPr id="42" name="Flowchart: Decision 96"/>
+          <p:cNvSpPr/>
           <p:nvPr/>
-        </p:nvGrpSpPr>
-        <p:grpSpPr>
+        </p:nvSpPr>
+        <p:spPr>
           <a:xfrm>
-            <a:off x="1571457" y="4656526"/>
-            <a:ext cx="449178" cy="173380"/>
-            <a:chOff x="1463689" y="3549930"/>
-            <a:chExt cx="449178" cy="173380"/>
-          </a:xfrm>
-        </p:grpSpPr>
-        <p:cxnSp>
-          <p:nvCxnSpPr>
-            <p:cNvPr id="58" name="Straight Arrow Connector 57"/>
-            <p:cNvCxnSpPr>
-              <a:stCxn id="42" idx="3"/>
-              <a:endCxn id="2" idx="1"/>
-            </p:cNvCxnSpPr>
-            <p:nvPr/>
-          </p:nvCxnSpPr>
-          <p:spPr>
-            <a:xfrm>
-              <a:off x="1699737" y="3636620"/>
-              <a:ext cx="213130" cy="0"/>
-            </a:xfrm>
-            <a:prstGeom prst="straightConnector1">
-              <a:avLst/>
-            </a:prstGeom>
-            <a:ln w="19050">
-              <a:solidFill>
-                <a:srgbClr val="7030A0"/>
-              </a:solidFill>
-              <a:headEnd type="none" w="med" len="med"/>
-              <a:tailEnd type="arrow" w="med" len="med"/>
-            </a:ln>
-            <a:effectLst/>
-          </p:spPr>
-          <p:style>
-            <a:lnRef idx="1">
-              <a:schemeClr val="accent2"/>
-            </a:lnRef>
-            <a:fillRef idx="2">
-              <a:schemeClr val="accent2"/>
-            </a:fillRef>
-            <a:effectRef idx="1">
-              <a:schemeClr val="accent2"/>
-            </a:effectRef>
-            <a:fontRef idx="minor">
-              <a:schemeClr val="dk1"/>
-            </a:fontRef>
-          </p:style>
-        </p:cxnSp>
-        <p:sp>
-          <p:nvSpPr>
-            <p:cNvPr id="42" name="Flowchart: Decision 96"/>
-            <p:cNvSpPr/>
-            <p:nvPr/>
-          </p:nvSpPr>
-          <p:spPr>
-            <a:xfrm>
-              <a:off x="1463689" y="3549930"/>
-              <a:ext cx="236048" cy="173380"/>
-            </a:xfrm>
-            <a:prstGeom prst="flowChartDecision">
-              <a:avLst/>
-            </a:prstGeom>
-            <a:noFill/>
-            <a:ln w="19050">
-              <a:solidFill>
-                <a:srgbClr val="7030A0"/>
-              </a:solidFill>
-            </a:ln>
-            <a:effectLst/>
-          </p:spPr>
-          <p:style>
-            <a:lnRef idx="1">
-              <a:schemeClr val="accent6"/>
-            </a:lnRef>
-            <a:fillRef idx="2">
-              <a:schemeClr val="accent6"/>
-            </a:fillRef>
-            <a:effectRef idx="1">
-              <a:schemeClr val="accent6"/>
-            </a:effectRef>
-            <a:fontRef idx="minor">
-              <a:schemeClr val="dk1"/>
-            </a:fontRef>
-          </p:style>
-          <p:txBody>
-            <a:bodyPr rtlCol="0" anchor="ctr"/>
-            <a:lstStyle/>
-            <a:p>
-              <a:pPr algn="ctr"/>
-              <a:endParaRPr lang="en-US" sz="1050"/>
-            </a:p>
-          </p:txBody>
-        </p:sp>
-      </p:grpSp>
+            <a:off x="2373780" y="3549930"/>
+            <a:ext cx="236048" cy="173380"/>
+          </a:xfrm>
+          <a:prstGeom prst="flowChartDecision">
+            <a:avLst/>
+          </a:prstGeom>
+          <a:noFill/>
+          <a:ln w="19050">
+            <a:solidFill>
+              <a:srgbClr val="7030A0"/>
+            </a:solidFill>
+          </a:ln>
+          <a:effectLst/>
+        </p:spPr>
+        <p:style>
+          <a:lnRef idx="1">
+            <a:schemeClr val="accent6"/>
+          </a:lnRef>
+          <a:fillRef idx="2">
+            <a:schemeClr val="accent6"/>
+          </a:fillRef>
+          <a:effectRef idx="1">
+            <a:schemeClr val="accent6"/>
+          </a:effectRef>
+          <a:fontRef idx="minor">
+            <a:schemeClr val="dk1"/>
+          </a:fontRef>
+        </p:style>
+        <p:txBody>
+          <a:bodyPr rtlCol="0" anchor="ctr"/>
+          <a:lstStyle/>
+          <a:p>
+            <a:pPr algn="ctr"/>
+            <a:endParaRPr lang="en-US" sz="1050"/>
+          </a:p>
+        </p:txBody>
+      </p:sp>
       <p:sp>
         <p:nvSpPr>
           <p:cNvPr id="46" name="Rectangle 8"/>
@@ -4057,7 +3959,7 @@
         </p:nvSpPr>
         <p:spPr>
           <a:xfrm>
-            <a:off x="1998250" y="1364592"/>
+            <a:off x="2825280" y="2846162"/>
             <a:ext cx="1490560" cy="334856"/>
           </a:xfrm>
           <a:prstGeom prst="rect">
@@ -4090,12 +3992,12 @@
           <a:p>
             <a:pPr algn="ctr"/>
             <a:r>
-              <a:rPr lang="en-US" sz="1050" dirty="0" err="1" smtClean="0">
+              <a:rPr lang="en-US" sz="1050" dirty="0" err="1">
                 <a:solidFill>
                   <a:srgbClr val="7030A0"/>
                 </a:solidFill>
               </a:rPr>
-              <a:t>VersionedOrderBook</a:t>
+              <a:t>VersionedAddressBook</a:t>
             </a:r>
             <a:endParaRPr lang="en-SG" sz="1050" dirty="0">
               <a:solidFill>
@@ -4116,7 +4018,7 @@
         </p:nvCxnSpPr>
         <p:spPr>
           <a:xfrm>
-            <a:off x="1797330" y="1521463"/>
+            <a:off x="2624360" y="3003033"/>
             <a:ext cx="200920" cy="10557"/>
           </a:xfrm>
           <a:prstGeom prst="straightConnector1">
@@ -4154,7 +4056,7 @@
         </p:nvSpPr>
         <p:spPr>
           <a:xfrm>
-            <a:off x="1561282" y="1434773"/>
+            <a:off x="2388312" y="2916343"/>
             <a:ext cx="236048" cy="173380"/>
           </a:xfrm>
           <a:prstGeom prst="flowChartDecision">
@@ -4199,7 +4101,7 @@
         </p:nvSpPr>
         <p:spPr>
           <a:xfrm>
-            <a:off x="3865620" y="1364592"/>
+            <a:off x="4692650" y="2846162"/>
             <a:ext cx="1156969" cy="346760"/>
           </a:xfrm>
           <a:prstGeom prst="rect">
@@ -4232,12 +4134,12 @@
           <a:p>
             <a:pPr algn="ctr"/>
             <a:r>
-              <a:rPr lang="en-US" sz="1050" dirty="0" err="1" smtClean="0">
+              <a:rPr lang="en-US" sz="1050" dirty="0" err="1">
                 <a:solidFill>
                   <a:srgbClr val="7030A0"/>
                 </a:solidFill>
               </a:rPr>
-              <a:t>UniqueOrderList</a:t>
+              <a:t>UniquePersonList</a:t>
             </a:r>
             <a:endParaRPr lang="en-SG" sz="1050" dirty="0">
               <a:solidFill>
@@ -4255,7 +4157,7 @@
         </p:nvSpPr>
         <p:spPr>
           <a:xfrm>
-            <a:off x="3497942" y="1438962"/>
+            <a:off x="4324972" y="2920532"/>
             <a:ext cx="236048" cy="173380"/>
           </a:xfrm>
           <a:prstGeom prst="flowChartDecision">
@@ -4302,7 +4204,7 @@
         </p:nvSpPr>
         <p:spPr>
           <a:xfrm>
-            <a:off x="5486647" y="1376496"/>
+            <a:off x="6313677" y="2858066"/>
             <a:ext cx="708186" cy="346760"/>
           </a:xfrm>
           <a:prstGeom prst="rect">
@@ -4335,12 +4237,12 @@
           <a:p>
             <a:pPr algn="ctr"/>
             <a:r>
-              <a:rPr lang="en-US" sz="1050" dirty="0" smtClean="0">
+              <a:rPr lang="en-US" sz="1050" dirty="0">
                 <a:solidFill>
                   <a:srgbClr val="7030A0"/>
                 </a:solidFill>
               </a:rPr>
-              <a:t>Order</a:t>
+              <a:t>Person</a:t>
             </a:r>
             <a:endParaRPr lang="en-SG" sz="1050" dirty="0">
               <a:solidFill>
@@ -4358,7 +4260,7 @@
         </p:nvSpPr>
         <p:spPr>
           <a:xfrm>
-            <a:off x="5031721" y="1460106"/>
+            <a:off x="5858751" y="2941676"/>
             <a:ext cx="236048" cy="173380"/>
           </a:xfrm>
           <a:prstGeom prst="flowChartDecision">
@@ -4406,7 +4308,7 @@
         </p:nvCxnSpPr>
         <p:spPr>
           <a:xfrm>
-            <a:off x="5267769" y="1546796"/>
+            <a:off x="6094799" y="3028366"/>
             <a:ext cx="218878" cy="3080"/>
           </a:xfrm>
           <a:prstGeom prst="bentConnector3">
@@ -4444,8 +4346,8 @@
         </p:nvSpPr>
         <p:spPr>
           <a:xfrm>
-            <a:off x="7568006" y="531738"/>
-            <a:ext cx="898200" cy="285783"/>
+            <a:off x="7712397" y="2564238"/>
+            <a:ext cx="708186" cy="285783"/>
           </a:xfrm>
           <a:prstGeom prst="rect">
             <a:avLst/>
@@ -4477,12 +4379,12 @@
           <a:p>
             <a:pPr algn="ctr"/>
             <a:r>
-              <a:rPr lang="en-US" sz="1050" dirty="0" smtClean="0">
+              <a:rPr lang="en-US" sz="1050" dirty="0">
                 <a:solidFill>
                   <a:srgbClr val="7030A0"/>
                 </a:solidFill>
               </a:rPr>
-              <a:t>Phone</a:t>
+              <a:t>Name</a:t>
             </a:r>
             <a:endParaRPr lang="en-SG" sz="1050" dirty="0">
               <a:solidFill>
@@ -4500,7 +4402,7 @@
         </p:nvSpPr>
         <p:spPr>
           <a:xfrm>
-            <a:off x="6214917" y="1466631"/>
+            <a:off x="7041947" y="2948201"/>
             <a:ext cx="236048" cy="173380"/>
           </a:xfrm>
           <a:prstGeom prst="flowChartDecision">
@@ -4544,20 +4446,16 @@
           <p:cNvPr id="79" name="Elbow Connector 78"/>
           <p:cNvCxnSpPr>
             <a:cxnSpLocks/>
-            <a:stCxn id="78" idx="3"/>
-            <a:endCxn id="76" idx="1"/>
           </p:cNvCxnSpPr>
           <p:nvPr/>
         </p:nvCxnSpPr>
         <p:spPr>
           <a:xfrm flipV="1">
-            <a:off x="6450965" y="674630"/>
-            <a:ext cx="1117041" cy="878691"/>
+            <a:off x="7277995" y="2706821"/>
+            <a:ext cx="434402" cy="327761"/>
           </a:xfrm>
           <a:prstGeom prst="bentConnector3">
-            <a:avLst>
-              <a:gd name="adj1" fmla="val 50000"/>
-            </a:avLst>
+            <a:avLst/>
           </a:prstGeom>
           <a:ln w="19050">
             <a:solidFill>
@@ -4591,8 +4489,8 @@
         </p:nvSpPr>
         <p:spPr>
           <a:xfrm>
-            <a:off x="7568003" y="871623"/>
-            <a:ext cx="898201" cy="285783"/>
+            <a:off x="7712397" y="2887216"/>
+            <a:ext cx="708186" cy="285783"/>
           </a:xfrm>
           <a:prstGeom prst="rect">
             <a:avLst/>
@@ -4624,12 +4522,12 @@
           <a:p>
             <a:pPr algn="ctr"/>
             <a:r>
-              <a:rPr lang="en-US" sz="1050" dirty="0" smtClean="0">
+              <a:rPr lang="en-US" sz="1050" dirty="0">
                 <a:solidFill>
                   <a:srgbClr val="7030A0"/>
                 </a:solidFill>
               </a:rPr>
-              <a:t>Address</a:t>
+              <a:t>Phone</a:t>
             </a:r>
             <a:endParaRPr lang="en-SG" sz="1050" dirty="0">
               <a:solidFill>
@@ -4650,8 +4548,8 @@
         </p:nvCxnSpPr>
         <p:spPr>
           <a:xfrm flipV="1">
-            <a:off x="6450965" y="1014515"/>
-            <a:ext cx="1117038" cy="538806"/>
+            <a:off x="7277995" y="3030108"/>
+            <a:ext cx="434402" cy="4783"/>
           </a:xfrm>
           <a:prstGeom prst="bentConnector3">
             <a:avLst/>
@@ -4688,8 +4586,8 @@
         </p:nvSpPr>
         <p:spPr>
           <a:xfrm>
-            <a:off x="7568002" y="1197975"/>
-            <a:ext cx="898202" cy="285783"/>
+            <a:off x="7712397" y="3210194"/>
+            <a:ext cx="708186" cy="285783"/>
           </a:xfrm>
           <a:prstGeom prst="rect">
             <a:avLst/>
@@ -4721,12 +4619,12 @@
           <a:p>
             <a:pPr algn="ctr"/>
             <a:r>
-              <a:rPr lang="en-US" sz="1050" dirty="0" err="1" smtClean="0">
+              <a:rPr lang="en-US" sz="1050" dirty="0">
                 <a:solidFill>
                   <a:srgbClr val="7030A0"/>
                 </a:solidFill>
               </a:rPr>
-              <a:t>OrderDate</a:t>
+              <a:t>Email</a:t>
             </a:r>
             <a:endParaRPr lang="en-SG" sz="1050" dirty="0">
               <a:solidFill>
@@ -4746,9 +4644,9 @@
           <p:nvPr/>
         </p:nvCxnSpPr>
         <p:spPr>
-          <a:xfrm flipV="1">
-            <a:off x="6450965" y="1340867"/>
-            <a:ext cx="1117037" cy="212454"/>
+          <a:xfrm>
+            <a:off x="7277995" y="3034891"/>
+            <a:ext cx="434402" cy="318195"/>
           </a:xfrm>
           <a:prstGeom prst="bentConnector3">
             <a:avLst/>
@@ -4785,8 +4683,8 @@
         </p:nvSpPr>
         <p:spPr>
           <a:xfrm>
-            <a:off x="7568002" y="1520660"/>
-            <a:ext cx="898202" cy="285783"/>
+            <a:off x="7712397" y="3533171"/>
+            <a:ext cx="708186" cy="285783"/>
           </a:xfrm>
           <a:prstGeom prst="rect">
             <a:avLst/>
@@ -4818,12 +4716,12 @@
           <a:p>
             <a:pPr algn="ctr"/>
             <a:r>
-              <a:rPr lang="en-US" sz="1050" dirty="0" err="1" smtClean="0">
+              <a:rPr lang="en-US" sz="1050" dirty="0">
                 <a:solidFill>
                   <a:srgbClr val="7030A0"/>
                 </a:solidFill>
               </a:rPr>
-              <a:t>OrderStatus</a:t>
+              <a:t>Address</a:t>
             </a:r>
             <a:endParaRPr lang="en-SG" sz="1050" dirty="0">
               <a:solidFill>
@@ -4844,8 +4742,8 @@
         </p:nvCxnSpPr>
         <p:spPr>
           <a:xfrm>
-            <a:off x="6450965" y="1553321"/>
-            <a:ext cx="1117037" cy="110231"/>
+            <a:off x="7277995" y="3034891"/>
+            <a:ext cx="434402" cy="641172"/>
           </a:xfrm>
           <a:prstGeom prst="bentConnector3">
             <a:avLst/>
@@ -4878,14 +4776,15 @@
         <p:nvCxnSpPr>
           <p:cNvPr id="97" name="Elbow Connector 63"/>
           <p:cNvCxnSpPr>
+            <a:cxnSpLocks/>
             <a:stCxn id="99" idx="3"/>
           </p:cNvCxnSpPr>
           <p:nvPr/>
         </p:nvCxnSpPr>
         <p:spPr>
-          <a:xfrm rot="5400000">
-            <a:off x="2726581" y="1205989"/>
-            <a:ext cx="293825" cy="5938"/>
+          <a:xfrm rot="16200000" flipH="1">
+            <a:off x="3566454" y="2680653"/>
+            <a:ext cx="274076" cy="1"/>
           </a:xfrm>
           <a:prstGeom prst="bentConnector3">
             <a:avLst>
@@ -4925,12 +4824,18 @@
         </p:nvSpPr>
         <p:spPr>
           <a:xfrm rot="10800000" flipV="1">
-            <a:off x="2735269" y="904984"/>
+            <a:off x="3562299" y="2386554"/>
             <a:ext cx="282387" cy="157062"/>
           </a:xfrm>
           <a:prstGeom prst="triangle">
             <a:avLst/>
           </a:prstGeom>
+          <a:solidFill>
+            <a:schemeClr val="accent4">
+              <a:lumMod val="20000"/>
+              <a:lumOff val="80000"/>
+            </a:schemeClr>
+          </a:solidFill>
           <a:ln w="19050">
             <a:solidFill>
               <a:srgbClr val="7030A0"/>
@@ -4973,7 +4878,7 @@
         </p:nvSpPr>
         <p:spPr>
           <a:xfrm>
-            <a:off x="433892" y="516780"/>
+            <a:off x="1260922" y="1998350"/>
             <a:ext cx="1443661" cy="364396"/>
           </a:xfrm>
           <a:prstGeom prst="rect">
@@ -5021,12 +4926,12 @@
               </a:rPr>
             </a:br>
             <a:r>
-              <a:rPr lang="en-US" sz="1050" dirty="0" err="1" smtClean="0">
+              <a:rPr lang="en-US" sz="1050" dirty="0" err="1">
                 <a:solidFill>
                   <a:srgbClr val="7030A0"/>
                 </a:solidFill>
               </a:rPr>
-              <a:t>ReadOnlyOrderBook</a:t>
+              <a:t>ReadOnlyAddressBook</a:t>
             </a:r>
             <a:endParaRPr lang="en-SG" sz="1050" dirty="0">
               <a:solidFill>
@@ -5043,8 +4948,8 @@
           <p:nvPr/>
         </p:nvSpPr>
         <p:spPr>
-          <a:xfrm>
-            <a:off x="4954352" y="1867760"/>
+          <a:xfrm rot="16200000">
+            <a:off x="6362886" y="3586305"/>
             <a:ext cx="881018" cy="261610"/>
           </a:xfrm>
           <a:prstGeom prst="rect">
@@ -5083,7 +4988,7 @@
         </p:nvSpPr>
         <p:spPr>
           <a:xfrm>
-            <a:off x="1203390" y="6185193"/>
+            <a:off x="2057401" y="4239491"/>
             <a:ext cx="1066800" cy="346760"/>
           </a:xfrm>
           <a:prstGeom prst="rect">
@@ -5123,14 +5028,6 @@
               </a:rPr>
               <a:t>&lt;&lt;interface&gt;&gt;</a:t>
             </a:r>
-            <a:r>
-              <a:rPr lang="en-US" sz="1050">
-                <a:solidFill>
-                  <a:srgbClr val="7030A0"/>
-                </a:solidFill>
-              </a:rPr>
-              <a:t/>
-            </a:r>
             <a:br>
               <a:rPr lang="en-US" sz="1050">
                 <a:solidFill>
@@ -5165,8 +5062,8 @@
         </p:nvCxnSpPr>
         <p:spPr>
           <a:xfrm rot="16200000" flipH="1">
-            <a:off x="-1189681" y="3965501"/>
-            <a:ext cx="4258743" cy="527400"/>
+            <a:off x="1364475" y="3719944"/>
+            <a:ext cx="831471" cy="554381"/>
           </a:xfrm>
           <a:prstGeom prst="bentConnector2">
             <a:avLst/>
@@ -5204,7 +5101,7 @@
         </p:nvSpPr>
         <p:spPr>
           <a:xfrm>
-            <a:off x="3602949" y="1629909"/>
+            <a:off x="4429979" y="3111479"/>
             <a:ext cx="189257" cy="178683"/>
           </a:xfrm>
           <a:prstGeom prst="rect">
@@ -5243,7 +5140,7 @@
         </p:nvSpPr>
         <p:spPr>
           <a:xfrm>
-            <a:off x="5308226" y="1616347"/>
+            <a:off x="6135256" y="3097917"/>
             <a:ext cx="189257" cy="178683"/>
           </a:xfrm>
           <a:prstGeom prst="rect">
@@ -5282,7 +5179,7 @@
         </p:nvSpPr>
         <p:spPr>
           <a:xfrm>
-            <a:off x="1746364" y="1275145"/>
+            <a:off x="2573394" y="2756715"/>
             <a:ext cx="170110" cy="137542"/>
           </a:xfrm>
           <a:prstGeom prst="rect">
@@ -5321,7 +5218,7 @@
         </p:nvSpPr>
         <p:spPr>
           <a:xfrm>
-            <a:off x="1736790" y="4546733"/>
+            <a:off x="2630191" y="3667737"/>
             <a:ext cx="189257" cy="178683"/>
           </a:xfrm>
           <a:prstGeom prst="rect">
@@ -5360,7 +5257,7 @@
         </p:nvSpPr>
         <p:spPr>
           <a:xfrm>
-            <a:off x="5622866" y="1723256"/>
+            <a:off x="6449896" y="3204826"/>
             <a:ext cx="189257" cy="178683"/>
           </a:xfrm>
           <a:prstGeom prst="rect">
@@ -5396,7 +5293,7 @@
           <p:cNvPr id="52" name="Rectangle 8">
             <a:extLst>
               <a:ext uri="{FF2B5EF4-FFF2-40B4-BE49-F238E27FC236}">
-                <a16:creationId xmlns="" xmlns:a16="http://schemas.microsoft.com/office/drawing/2014/main" id="{ABDCDBD2-131A-4B66-A2F2-43BBEE82C773}"/>
+                <a16:creationId xmlns:a16="http://schemas.microsoft.com/office/drawing/2014/main" id="{ABDCDBD2-131A-4B66-A2F2-43BBEE82C773}"/>
               </a:ext>
             </a:extLst>
           </p:cNvPr>
@@ -5405,8 +5302,8 @@
         </p:nvSpPr>
         <p:spPr>
           <a:xfrm>
-            <a:off x="7568003" y="200682"/>
-            <a:ext cx="898203" cy="285783"/>
+            <a:off x="7712397" y="2228817"/>
+            <a:ext cx="708186" cy="285783"/>
           </a:xfrm>
           <a:prstGeom prst="rect">
             <a:avLst/>
@@ -5438,12 +5335,12 @@
           <a:p>
             <a:pPr algn="ctr"/>
             <a:r>
-              <a:rPr lang="en-US" sz="1050" dirty="0" smtClean="0">
+              <a:rPr lang="en-US" sz="1050" dirty="0">
                 <a:solidFill>
                   <a:srgbClr val="7030A0"/>
                 </a:solidFill>
               </a:rPr>
-              <a:t>Name</a:t>
+              <a:t>Tag</a:t>
             </a:r>
             <a:endParaRPr lang="en-SG" sz="1050" dirty="0">
               <a:solidFill>
@@ -5458,7 +5355,7 @@
           <p:cNvPr id="53" name="Elbow Connector 78">
             <a:extLst>
               <a:ext uri="{FF2B5EF4-FFF2-40B4-BE49-F238E27FC236}">
-                <a16:creationId xmlns="" xmlns:a16="http://schemas.microsoft.com/office/drawing/2014/main" id="{B97967F8-618A-448B-81FD-CDFD4AF0EC64}"/>
+                <a16:creationId xmlns:a16="http://schemas.microsoft.com/office/drawing/2014/main" id="{B97967F8-618A-448B-81FD-CDFD4AF0EC64}"/>
               </a:ext>
             </a:extLst>
           </p:cNvPr>
@@ -5471,8 +5368,8 @@
         </p:nvCxnSpPr>
         <p:spPr>
           <a:xfrm flipV="1">
-            <a:off x="6450965" y="343574"/>
-            <a:ext cx="1117038" cy="1209747"/>
+            <a:off x="7277995" y="2371709"/>
+            <a:ext cx="434402" cy="663182"/>
           </a:xfrm>
           <a:prstGeom prst="bentConnector3">
             <a:avLst>
@@ -5505,13 +5402,58 @@
       </p:cxnSp>
       <p:sp>
         <p:nvSpPr>
+          <p:cNvPr id="50" name="TextBox 49">
+            <a:extLst>
+              <a:ext uri="{FF2B5EF4-FFF2-40B4-BE49-F238E27FC236}">
+                <a16:creationId xmlns:a16="http://schemas.microsoft.com/office/drawing/2014/main" id="{B3FA9D57-880F-49C4-AD0B-A64E30D6F403}"/>
+              </a:ext>
+            </a:extLst>
+          </p:cNvPr>
+          <p:cNvSpPr txBox="1"/>
+          <p:nvPr/>
+        </p:nvSpPr>
+        <p:spPr>
+          <a:xfrm>
+            <a:off x="7466243" y="2255711"/>
+            <a:ext cx="189257" cy="178683"/>
+          </a:xfrm>
+          <a:prstGeom prst="rect">
+            <a:avLst/>
+          </a:prstGeom>
+          <a:noFill/>
+        </p:spPr>
+        <p:txBody>
+          <a:bodyPr wrap="square" lIns="0" tIns="0" rIns="0" bIns="0" rtlCol="0">
+            <a:noAutofit/>
+          </a:bodyPr>
+          <a:lstStyle/>
+          <a:p>
+            <a:pPr algn="ctr"/>
+            <a:r>
+              <a:rPr lang="en-US" sz="1100" dirty="0">
+                <a:solidFill>
+                  <a:srgbClr val="7030A0"/>
+                </a:solidFill>
+              </a:rPr>
+              <a:t>*</a:t>
+            </a:r>
+            <a:endParaRPr lang="en-SG" sz="1100" dirty="0">
+              <a:solidFill>
+                <a:srgbClr val="7030A0"/>
+              </a:solidFill>
+            </a:endParaRPr>
+          </a:p>
+        </p:txBody>
+      </p:sp>
+      <p:sp>
+        <p:nvSpPr>
           <p:cNvPr id="55" name="Rectangle 8"/>
           <p:cNvSpPr/>
           <p:nvPr/>
         </p:nvSpPr>
         <p:spPr>
           <a:xfrm>
-            <a:off x="2343151" y="516780"/>
+            <a:off x="3170181" y="1998350"/>
             <a:ext cx="1060683" cy="364396"/>
           </a:xfrm>
           <a:prstGeom prst="rect">
@@ -5544,12 +5486,12 @@
           <a:p>
             <a:pPr algn="ctr"/>
             <a:r>
-              <a:rPr lang="en-US" sz="1050" dirty="0" err="1" smtClean="0">
+              <a:rPr lang="en-US" sz="1050" dirty="0" err="1">
                 <a:solidFill>
                   <a:srgbClr val="7030A0"/>
                 </a:solidFill>
               </a:rPr>
-              <a:t>OrderBook</a:t>
+              <a:t>AddressBook</a:t>
             </a:r>
             <a:endParaRPr lang="en-SG" sz="1050" dirty="0">
               <a:solidFill>
@@ -5570,7 +5512,7 @@
         </p:nvCxnSpPr>
         <p:spPr>
           <a:xfrm>
-            <a:off x="3497942" y="1525652"/>
+            <a:off x="4324972" y="3007222"/>
             <a:ext cx="367678" cy="12320"/>
           </a:xfrm>
           <a:prstGeom prst="straightConnector1">
@@ -5608,7 +5550,7 @@
         </p:nvSpPr>
         <p:spPr>
           <a:xfrm rot="16200000">
-            <a:off x="1842043" y="587588"/>
+            <a:off x="2669073" y="2069158"/>
             <a:ext cx="271014" cy="187417"/>
           </a:xfrm>
           <a:prstGeom prst="triangle">
@@ -5663,7 +5605,7 @@
         </p:nvCxnSpPr>
         <p:spPr>
           <a:xfrm>
-            <a:off x="2071259" y="696157"/>
+            <a:off x="2898289" y="2177727"/>
             <a:ext cx="271892" cy="2821"/>
           </a:xfrm>
           <a:prstGeom prst="bentConnector3">
@@ -5698,14 +5640,20 @@
       </p:cxnSp>
       <p:sp>
         <p:nvSpPr>
-          <p:cNvPr id="59" name="Rectangle 8"/>
+          <p:cNvPr id="57" name="Rectangle 8">
+            <a:extLst>
+              <a:ext uri="{FF2B5EF4-FFF2-40B4-BE49-F238E27FC236}">
+                <a16:creationId xmlns:a16="http://schemas.microsoft.com/office/drawing/2014/main" id="{6A42DA50-9012-4391-9EF3-285E4FA3FCD8}"/>
+              </a:ext>
+            </a:extLst>
+          </p:cNvPr>
           <p:cNvSpPr/>
           <p:nvPr/>
         </p:nvSpPr>
         <p:spPr>
           <a:xfrm>
-            <a:off x="7568002" y="1860545"/>
-            <a:ext cx="898202" cy="285783"/>
+            <a:off x="4238892" y="3460864"/>
+            <a:ext cx="1293486" cy="346760"/>
           </a:xfrm>
           <a:prstGeom prst="rect">
             <a:avLst/>
@@ -5737,12 +5685,23 @@
           <a:p>
             <a:pPr algn="ctr"/>
             <a:r>
-              <a:rPr lang="en-US" sz="1050" dirty="0" smtClean="0">
+              <a:rPr lang="en-US" sz="1050" dirty="0">
                 <a:solidFill>
                   <a:srgbClr val="7030A0"/>
                 </a:solidFill>
               </a:rPr>
-              <a:t>Deliveryman</a:t>
+              <a:t>&lt;&lt;interface&gt;&gt;</a:t>
+            </a:r>
+          </a:p>
+          <a:p>
+            <a:pPr algn="ctr"/>
+            <a:r>
+              <a:rPr lang="en-US" sz="1050" dirty="0" err="1">
+                <a:solidFill>
+                  <a:srgbClr val="7030A0"/>
+                </a:solidFill>
+              </a:rPr>
+              <a:t>ReadOnlyUserPrefs</a:t>
             </a:r>
             <a:endParaRPr lang="en-SG" sz="1050" dirty="0">
               <a:solidFill>
@@ -5754,18 +5713,32 @@
       </p:sp>
       <p:sp>
         <p:nvSpPr>
-          <p:cNvPr id="67" name="Rectangle 8"/>
+          <p:cNvPr id="59" name="Isosceles Triangle 102">
+            <a:extLst>
+              <a:ext uri="{FF2B5EF4-FFF2-40B4-BE49-F238E27FC236}">
+                <a16:creationId xmlns:a16="http://schemas.microsoft.com/office/drawing/2014/main" id="{B263B2D7-6E76-465E-B40E-7E2A46254A84}"/>
+              </a:ext>
+            </a:extLst>
+          </p:cNvPr>
           <p:cNvSpPr/>
           <p:nvPr/>
         </p:nvSpPr>
         <p:spPr>
-          <a:xfrm>
-            <a:off x="7568002" y="2211853"/>
-            <a:ext cx="898202" cy="285783"/>
-          </a:xfrm>
-          <a:prstGeom prst="rect">
-            <a:avLst/>
+          <a:xfrm rot="5400000" flipH="1">
+            <a:off x="3992636" y="3514414"/>
+            <a:ext cx="271014" cy="221497"/>
+          </a:xfrm>
+          <a:prstGeom prst="triangle">
+            <a:avLst>
+              <a:gd name="adj" fmla="val 44517"/>
+            </a:avLst>
           </a:prstGeom>
+          <a:solidFill>
+            <a:schemeClr val="accent4">
+              <a:lumMod val="20000"/>
+              <a:lumOff val="80000"/>
+            </a:schemeClr>
+          </a:solidFill>
           <a:ln w="19050">
             <a:solidFill>
               <a:srgbClr val="7030A0"/>
@@ -5775,13 +5748,13 @@
         </p:spPr>
         <p:style>
           <a:lnRef idx="1">
-            <a:schemeClr val="accent4"/>
+            <a:schemeClr val="accent6"/>
           </a:lnRef>
           <a:fillRef idx="2">
-            <a:schemeClr val="accent4"/>
+            <a:schemeClr val="accent6"/>
           </a:fillRef>
           <a:effectRef idx="1">
-            <a:schemeClr val="accent4"/>
+            <a:schemeClr val="accent6"/>
           </a:effectRef>
           <a:fontRef idx="minor">
             <a:schemeClr val="dk1"/>
@@ -5792,35 +5765,30 @@
           <a:lstStyle/>
           <a:p>
             <a:pPr algn="ctr"/>
-            <a:r>
-              <a:rPr lang="en-US" sz="1050" smtClean="0">
-                <a:solidFill>
-                  <a:srgbClr val="7030A0"/>
-                </a:solidFill>
-              </a:rPr>
-              <a:t>Food</a:t>
-            </a:r>
-            <a:endParaRPr lang="en-SG" sz="1050" dirty="0">
-              <a:solidFill>
-                <a:srgbClr val="7030A0"/>
-              </a:solidFill>
-            </a:endParaRPr>
+            <a:endParaRPr lang="en-SG" sz="1050"/>
           </a:p>
         </p:txBody>
       </p:sp>
       <p:cxnSp>
         <p:nvCxnSpPr>
-          <p:cNvPr id="71" name="Elbow Connector 70"/>
+          <p:cNvPr id="67" name="Elbow Connector 63">
+            <a:extLst>
+              <a:ext uri="{FF2B5EF4-FFF2-40B4-BE49-F238E27FC236}">
+                <a16:creationId xmlns:a16="http://schemas.microsoft.com/office/drawing/2014/main" id="{BA3A25CD-7C1D-4B3B-B294-1B05ABCFECFD}"/>
+              </a:ext>
+            </a:extLst>
+          </p:cNvPr>
           <p:cNvCxnSpPr>
-            <a:stCxn id="78" idx="3"/>
-            <a:endCxn id="59" idx="1"/>
+            <a:cxnSpLocks/>
+            <a:stCxn id="59" idx="3"/>
+            <a:endCxn id="2" idx="3"/>
           </p:cNvCxnSpPr>
           <p:nvPr/>
         </p:nvCxnSpPr>
         <p:spPr>
-          <a:xfrm>
-            <a:off x="6450965" y="1553321"/>
-            <a:ext cx="1117037" cy="450116"/>
+          <a:xfrm rot="10800000">
+            <a:off x="3703491" y="3636621"/>
+            <a:ext cx="313904" cy="3403"/>
           </a:xfrm>
           <a:prstGeom prst="bentConnector3">
             <a:avLst>
@@ -5831,8 +5799,9 @@
             <a:solidFill>
               <a:srgbClr val="7030A0"/>
             </a:solidFill>
+            <a:prstDash val="sysDot"/>
             <a:headEnd type="none" w="med" len="med"/>
-            <a:tailEnd type="arrow" w="med" len="med"/>
+            <a:tailEnd type="none" w="med" len="med"/>
           </a:ln>
           <a:effectLst/>
         </p:spPr>
@@ -5851,2268 +5820,6 @@
           </a:fontRef>
         </p:style>
       </p:cxnSp>
-      <p:cxnSp>
-        <p:nvCxnSpPr>
-          <p:cNvPr id="72" name="Elbow Connector 71"/>
-          <p:cNvCxnSpPr>
-            <a:stCxn id="78" idx="3"/>
-            <a:endCxn id="67" idx="1"/>
-          </p:cNvCxnSpPr>
-          <p:nvPr/>
-        </p:nvCxnSpPr>
-        <p:spPr>
-          <a:xfrm>
-            <a:off x="6450965" y="1553321"/>
-            <a:ext cx="1117037" cy="801424"/>
-          </a:xfrm>
-          <a:prstGeom prst="bentConnector3">
-            <a:avLst>
-              <a:gd name="adj1" fmla="val 50000"/>
-            </a:avLst>
-          </a:prstGeom>
-          <a:ln w="19050">
-            <a:solidFill>
-              <a:srgbClr val="7030A0"/>
-            </a:solidFill>
-            <a:headEnd type="none" w="med" len="med"/>
-            <a:tailEnd type="arrow" w="med" len="med"/>
-          </a:ln>
-          <a:effectLst/>
-        </p:spPr>
-        <p:style>
-          <a:lnRef idx="1">
-            <a:schemeClr val="accent2"/>
-          </a:lnRef>
-          <a:fillRef idx="2">
-            <a:schemeClr val="accent2"/>
-          </a:fillRef>
-          <a:effectRef idx="1">
-            <a:schemeClr val="accent2"/>
-          </a:effectRef>
-          <a:fontRef idx="minor">
-            <a:schemeClr val="dk1"/>
-          </a:fontRef>
-        </p:style>
-      </p:cxnSp>
-      <p:sp>
-        <p:nvSpPr>
-          <p:cNvPr id="73" name="TextBox 72"/>
-          <p:cNvSpPr txBox="1"/>
-          <p:nvPr/>
-        </p:nvSpPr>
-        <p:spPr>
-          <a:xfrm>
-            <a:off x="7115897" y="2218255"/>
-            <a:ext cx="189257" cy="178683"/>
-          </a:xfrm>
-          <a:prstGeom prst="rect">
-            <a:avLst/>
-          </a:prstGeom>
-          <a:noFill/>
-        </p:spPr>
-        <p:txBody>
-          <a:bodyPr wrap="square" lIns="0" tIns="0" rIns="0" bIns="0" rtlCol="0">
-            <a:noAutofit/>
-          </a:bodyPr>
-          <a:lstStyle/>
-          <a:p>
-            <a:pPr algn="ctr"/>
-            <a:r>
-              <a:rPr lang="en-US" sz="1100" dirty="0">
-                <a:solidFill>
-                  <a:srgbClr val="7030A0"/>
-                </a:solidFill>
-              </a:rPr>
-              <a:t>*</a:t>
-            </a:r>
-            <a:endParaRPr lang="en-SG" sz="1100" dirty="0">
-              <a:solidFill>
-                <a:srgbClr val="7030A0"/>
-              </a:solidFill>
-            </a:endParaRPr>
-          </a:p>
-        </p:txBody>
-      </p:sp>
-      <p:sp>
-        <p:nvSpPr>
-          <p:cNvPr id="74" name="Rectangle 8"/>
-          <p:cNvSpPr/>
-          <p:nvPr/>
-        </p:nvSpPr>
-        <p:spPr>
-          <a:xfrm>
-            <a:off x="1989988" y="2600388"/>
-            <a:ext cx="1490560" cy="334856"/>
-          </a:xfrm>
-          <a:prstGeom prst="rect">
-            <a:avLst/>
-          </a:prstGeom>
-          <a:ln w="19050">
-            <a:solidFill>
-              <a:srgbClr val="7030A0"/>
-            </a:solidFill>
-          </a:ln>
-          <a:effectLst/>
-        </p:spPr>
-        <p:style>
-          <a:lnRef idx="1">
-            <a:schemeClr val="accent4"/>
-          </a:lnRef>
-          <a:fillRef idx="2">
-            <a:schemeClr val="accent4"/>
-          </a:fillRef>
-          <a:effectRef idx="1">
-            <a:schemeClr val="accent4"/>
-          </a:effectRef>
-          <a:fontRef idx="minor">
-            <a:schemeClr val="dk1"/>
-          </a:fontRef>
-        </p:style>
-        <p:txBody>
-          <a:bodyPr rtlCol="0" anchor="ctr"/>
-          <a:lstStyle/>
-          <a:p>
-            <a:pPr algn="ctr"/>
-            <a:r>
-              <a:rPr lang="en-US" sz="1050" dirty="0" err="1" smtClean="0">
-                <a:solidFill>
-                  <a:srgbClr val="7030A0"/>
-                </a:solidFill>
-              </a:rPr>
-              <a:t>VersionedUsersList</a:t>
-            </a:r>
-            <a:endParaRPr lang="en-SG" sz="1050" dirty="0">
-              <a:solidFill>
-                <a:srgbClr val="7030A0"/>
-              </a:solidFill>
-            </a:endParaRPr>
-          </a:p>
-        </p:txBody>
-      </p:sp>
-      <p:cxnSp>
-        <p:nvCxnSpPr>
-          <p:cNvPr id="77" name="Straight Arrow Connector 76"/>
-          <p:cNvCxnSpPr/>
-          <p:nvPr/>
-        </p:nvCxnSpPr>
-        <p:spPr>
-          <a:xfrm>
-            <a:off x="1789068" y="2773884"/>
-            <a:ext cx="200920" cy="10557"/>
-          </a:xfrm>
-          <a:prstGeom prst="straightConnector1">
-            <a:avLst/>
-          </a:prstGeom>
-          <a:ln w="19050">
-            <a:solidFill>
-              <a:srgbClr val="7030A0"/>
-            </a:solidFill>
-            <a:headEnd type="none" w="med" len="med"/>
-            <a:tailEnd type="arrow" w="med" len="med"/>
-          </a:ln>
-          <a:effectLst/>
-        </p:spPr>
-        <p:style>
-          <a:lnRef idx="1">
-            <a:schemeClr val="accent2"/>
-          </a:lnRef>
-          <a:fillRef idx="2">
-            <a:schemeClr val="accent2"/>
-          </a:fillRef>
-          <a:effectRef idx="1">
-            <a:schemeClr val="accent2"/>
-          </a:effectRef>
-          <a:fontRef idx="minor">
-            <a:schemeClr val="dk1"/>
-          </a:fontRef>
-        </p:style>
-      </p:cxnSp>
-      <p:sp>
-        <p:nvSpPr>
-          <p:cNvPr id="82" name="Flowchart: Decision 96"/>
-          <p:cNvSpPr/>
-          <p:nvPr/>
-        </p:nvSpPr>
-        <p:spPr>
-          <a:xfrm>
-            <a:off x="1553020" y="2687194"/>
-            <a:ext cx="236048" cy="173380"/>
-          </a:xfrm>
-          <a:prstGeom prst="flowChartDecision">
-            <a:avLst/>
-          </a:prstGeom>
-          <a:noFill/>
-          <a:ln w="19050">
-            <a:solidFill>
-              <a:srgbClr val="7030A0"/>
-            </a:solidFill>
-          </a:ln>
-          <a:effectLst/>
-        </p:spPr>
-        <p:style>
-          <a:lnRef idx="1">
-            <a:schemeClr val="accent6"/>
-          </a:lnRef>
-          <a:fillRef idx="2">
-            <a:schemeClr val="accent6"/>
-          </a:fillRef>
-          <a:effectRef idx="1">
-            <a:schemeClr val="accent6"/>
-          </a:effectRef>
-          <a:fontRef idx="minor">
-            <a:schemeClr val="dk1"/>
-          </a:fontRef>
-        </p:style>
-        <p:txBody>
-          <a:bodyPr rtlCol="0" anchor="ctr"/>
-          <a:lstStyle/>
-          <a:p>
-            <a:pPr algn="ctr"/>
-            <a:endParaRPr lang="en-US" sz="1050"/>
-          </a:p>
-        </p:txBody>
-      </p:sp>
-      <p:sp>
-        <p:nvSpPr>
-          <p:cNvPr id="87" name="TextBox 86"/>
-          <p:cNvSpPr txBox="1"/>
-          <p:nvPr/>
-        </p:nvSpPr>
-        <p:spPr>
-          <a:xfrm>
-            <a:off x="1738102" y="2527566"/>
-            <a:ext cx="170110" cy="137542"/>
-          </a:xfrm>
-          <a:prstGeom prst="rect">
-            <a:avLst/>
-          </a:prstGeom>
-          <a:noFill/>
-        </p:spPr>
-        <p:txBody>
-          <a:bodyPr wrap="square" lIns="0" tIns="0" rIns="0" bIns="0" rtlCol="0">
-            <a:noAutofit/>
-          </a:bodyPr>
-          <a:lstStyle/>
-          <a:p>
-            <a:pPr algn="ctr"/>
-            <a:r>
-              <a:rPr lang="en-US" sz="1100" dirty="0">
-                <a:solidFill>
-                  <a:srgbClr val="7030A0"/>
-                </a:solidFill>
-              </a:rPr>
-              <a:t>1</a:t>
-            </a:r>
-            <a:endParaRPr lang="en-SG" sz="1100" dirty="0">
-              <a:solidFill>
-                <a:srgbClr val="7030A0"/>
-              </a:solidFill>
-            </a:endParaRPr>
-          </a:p>
-        </p:txBody>
-      </p:sp>
-      <p:sp>
-        <p:nvSpPr>
-          <p:cNvPr id="89" name="Rectangle 8"/>
-          <p:cNvSpPr/>
-          <p:nvPr/>
-        </p:nvSpPr>
-        <p:spPr>
-          <a:xfrm>
-            <a:off x="3845287" y="2609586"/>
-            <a:ext cx="1156969" cy="346760"/>
-          </a:xfrm>
-          <a:prstGeom prst="rect">
-            <a:avLst/>
-          </a:prstGeom>
-          <a:ln w="19050">
-            <a:solidFill>
-              <a:srgbClr val="7030A0"/>
-            </a:solidFill>
-          </a:ln>
-          <a:effectLst/>
-        </p:spPr>
-        <p:style>
-          <a:lnRef idx="1">
-            <a:schemeClr val="accent4"/>
-          </a:lnRef>
-          <a:fillRef idx="2">
-            <a:schemeClr val="accent4"/>
-          </a:fillRef>
-          <a:effectRef idx="1">
-            <a:schemeClr val="accent4"/>
-          </a:effectRef>
-          <a:fontRef idx="minor">
-            <a:schemeClr val="dk1"/>
-          </a:fontRef>
-        </p:style>
-        <p:txBody>
-          <a:bodyPr rtlCol="0" anchor="ctr"/>
-          <a:lstStyle/>
-          <a:p>
-            <a:pPr algn="ctr"/>
-            <a:r>
-              <a:rPr lang="en-US" sz="1050" dirty="0" err="1" smtClean="0">
-                <a:solidFill>
-                  <a:srgbClr val="7030A0"/>
-                </a:solidFill>
-              </a:rPr>
-              <a:t>UniqueUserList</a:t>
-            </a:r>
-            <a:endParaRPr lang="en-SG" sz="1050" dirty="0">
-              <a:solidFill>
-                <a:srgbClr val="7030A0"/>
-              </a:solidFill>
-            </a:endParaRPr>
-          </a:p>
-        </p:txBody>
-      </p:sp>
-      <p:sp>
-        <p:nvSpPr>
-          <p:cNvPr id="90" name="Flowchart: Decision 96"/>
-          <p:cNvSpPr/>
-          <p:nvPr/>
-        </p:nvSpPr>
-        <p:spPr>
-          <a:xfrm>
-            <a:off x="3495234" y="2690750"/>
-            <a:ext cx="236048" cy="173380"/>
-          </a:xfrm>
-          <a:prstGeom prst="flowChartDecision">
-            <a:avLst/>
-          </a:prstGeom>
-          <a:solidFill>
-            <a:srgbClr val="7030A0"/>
-          </a:solidFill>
-          <a:ln w="19050">
-            <a:solidFill>
-              <a:srgbClr val="7030A0"/>
-            </a:solidFill>
-          </a:ln>
-          <a:effectLst/>
-        </p:spPr>
-        <p:style>
-          <a:lnRef idx="1">
-            <a:schemeClr val="accent6"/>
-          </a:lnRef>
-          <a:fillRef idx="2">
-            <a:schemeClr val="accent6"/>
-          </a:fillRef>
-          <a:effectRef idx="1">
-            <a:schemeClr val="accent6"/>
-          </a:effectRef>
-          <a:fontRef idx="minor">
-            <a:schemeClr val="dk1"/>
-          </a:fontRef>
-        </p:style>
-        <p:txBody>
-          <a:bodyPr rtlCol="0" anchor="ctr"/>
-          <a:lstStyle/>
-          <a:p>
-            <a:pPr algn="ctr"/>
-            <a:endParaRPr lang="en-US" sz="1050"/>
-          </a:p>
-        </p:txBody>
-      </p:sp>
-      <p:sp>
-        <p:nvSpPr>
-          <p:cNvPr id="91" name="Rectangle 8"/>
-          <p:cNvSpPr/>
-          <p:nvPr/>
-        </p:nvSpPr>
-        <p:spPr>
-          <a:xfrm>
-            <a:off x="5466314" y="2621490"/>
-            <a:ext cx="708186" cy="346760"/>
-          </a:xfrm>
-          <a:prstGeom prst="rect">
-            <a:avLst/>
-          </a:prstGeom>
-          <a:ln w="19050">
-            <a:solidFill>
-              <a:srgbClr val="7030A0"/>
-            </a:solidFill>
-          </a:ln>
-          <a:effectLst/>
-        </p:spPr>
-        <p:style>
-          <a:lnRef idx="1">
-            <a:schemeClr val="accent4"/>
-          </a:lnRef>
-          <a:fillRef idx="2">
-            <a:schemeClr val="accent4"/>
-          </a:fillRef>
-          <a:effectRef idx="1">
-            <a:schemeClr val="accent4"/>
-          </a:effectRef>
-          <a:fontRef idx="minor">
-            <a:schemeClr val="dk1"/>
-          </a:fontRef>
-        </p:style>
-        <p:txBody>
-          <a:bodyPr rtlCol="0" anchor="ctr"/>
-          <a:lstStyle/>
-          <a:p>
-            <a:pPr algn="ctr"/>
-            <a:r>
-              <a:rPr lang="en-US" sz="1050" dirty="0" smtClean="0">
-                <a:solidFill>
-                  <a:srgbClr val="7030A0"/>
-                </a:solidFill>
-              </a:rPr>
-              <a:t>User</a:t>
-            </a:r>
-            <a:endParaRPr lang="en-SG" sz="1050" dirty="0">
-              <a:solidFill>
-                <a:srgbClr val="7030A0"/>
-              </a:solidFill>
-            </a:endParaRPr>
-          </a:p>
-        </p:txBody>
-      </p:sp>
-      <p:sp>
-        <p:nvSpPr>
-          <p:cNvPr id="92" name="Flowchart: Decision 96"/>
-          <p:cNvSpPr/>
-          <p:nvPr/>
-        </p:nvSpPr>
-        <p:spPr>
-          <a:xfrm>
-            <a:off x="5011388" y="2705100"/>
-            <a:ext cx="236048" cy="173380"/>
-          </a:xfrm>
-          <a:prstGeom prst="flowChartDecision">
-            <a:avLst/>
-          </a:prstGeom>
-          <a:noFill/>
-          <a:ln w="19050">
-            <a:solidFill>
-              <a:srgbClr val="7030A0"/>
-            </a:solidFill>
-          </a:ln>
-          <a:effectLst/>
-        </p:spPr>
-        <p:style>
-          <a:lnRef idx="1">
-            <a:schemeClr val="accent6"/>
-          </a:lnRef>
-          <a:fillRef idx="2">
-            <a:schemeClr val="accent6"/>
-          </a:fillRef>
-          <a:effectRef idx="1">
-            <a:schemeClr val="accent6"/>
-          </a:effectRef>
-          <a:fontRef idx="minor">
-            <a:schemeClr val="dk1"/>
-          </a:fontRef>
-        </p:style>
-        <p:txBody>
-          <a:bodyPr rtlCol="0" anchor="ctr"/>
-          <a:lstStyle/>
-          <a:p>
-            <a:pPr algn="ctr"/>
-            <a:endParaRPr lang="en-US" sz="1050"/>
-          </a:p>
-        </p:txBody>
-      </p:sp>
-      <p:cxnSp>
-        <p:nvCxnSpPr>
-          <p:cNvPr id="93" name="Elbow Connector 92"/>
-          <p:cNvCxnSpPr/>
-          <p:nvPr/>
-        </p:nvCxnSpPr>
-        <p:spPr>
-          <a:xfrm>
-            <a:off x="5247436" y="2789567"/>
-            <a:ext cx="218878" cy="3080"/>
-          </a:xfrm>
-          <a:prstGeom prst="bentConnector3">
-            <a:avLst/>
-          </a:prstGeom>
-          <a:ln w="19050">
-            <a:solidFill>
-              <a:srgbClr val="7030A0"/>
-            </a:solidFill>
-            <a:headEnd type="none" w="med" len="med"/>
-            <a:tailEnd type="arrow" w="med" len="med"/>
-          </a:ln>
-          <a:effectLst/>
-        </p:spPr>
-        <p:style>
-          <a:lnRef idx="1">
-            <a:schemeClr val="accent2"/>
-          </a:lnRef>
-          <a:fillRef idx="2">
-            <a:schemeClr val="accent2"/>
-          </a:fillRef>
-          <a:effectRef idx="1">
-            <a:schemeClr val="accent2"/>
-          </a:effectRef>
-          <a:fontRef idx="minor">
-            <a:schemeClr val="dk1"/>
-          </a:fontRef>
-        </p:style>
-      </p:cxnSp>
-      <p:sp>
-        <p:nvSpPr>
-          <p:cNvPr id="94" name="TextBox 93"/>
-          <p:cNvSpPr txBox="1"/>
-          <p:nvPr/>
-        </p:nvSpPr>
-        <p:spPr>
-          <a:xfrm>
-            <a:off x="3582616" y="2874903"/>
-            <a:ext cx="189257" cy="178683"/>
-          </a:xfrm>
-          <a:prstGeom prst="rect">
-            <a:avLst/>
-          </a:prstGeom>
-          <a:noFill/>
-        </p:spPr>
-        <p:txBody>
-          <a:bodyPr wrap="square" lIns="0" tIns="0" rIns="0" bIns="0" rtlCol="0">
-            <a:noAutofit/>
-          </a:bodyPr>
-          <a:lstStyle/>
-          <a:p>
-            <a:pPr algn="ctr"/>
-            <a:r>
-              <a:rPr lang="en-US" sz="1100" dirty="0">
-                <a:solidFill>
-                  <a:srgbClr val="7030A0"/>
-                </a:solidFill>
-              </a:rPr>
-              <a:t>1</a:t>
-            </a:r>
-            <a:endParaRPr lang="en-SG" sz="1100" dirty="0">
-              <a:solidFill>
-                <a:srgbClr val="7030A0"/>
-              </a:solidFill>
-            </a:endParaRPr>
-          </a:p>
-        </p:txBody>
-      </p:sp>
-      <p:sp>
-        <p:nvSpPr>
-          <p:cNvPr id="95" name="TextBox 94"/>
-          <p:cNvSpPr txBox="1"/>
-          <p:nvPr/>
-        </p:nvSpPr>
-        <p:spPr>
-          <a:xfrm>
-            <a:off x="5287893" y="2861341"/>
-            <a:ext cx="189257" cy="178683"/>
-          </a:xfrm>
-          <a:prstGeom prst="rect">
-            <a:avLst/>
-          </a:prstGeom>
-          <a:noFill/>
-        </p:spPr>
-        <p:txBody>
-          <a:bodyPr wrap="square" lIns="0" tIns="0" rIns="0" bIns="0" rtlCol="0">
-            <a:noAutofit/>
-          </a:bodyPr>
-          <a:lstStyle/>
-          <a:p>
-            <a:pPr algn="ctr"/>
-            <a:r>
-              <a:rPr lang="en-US" sz="1100" dirty="0">
-                <a:solidFill>
-                  <a:srgbClr val="7030A0"/>
-                </a:solidFill>
-              </a:rPr>
-              <a:t>*</a:t>
-            </a:r>
-            <a:endParaRPr lang="en-SG" sz="1100" dirty="0">
-              <a:solidFill>
-                <a:srgbClr val="7030A0"/>
-              </a:solidFill>
-            </a:endParaRPr>
-          </a:p>
-        </p:txBody>
-      </p:sp>
-      <p:cxnSp>
-        <p:nvCxnSpPr>
-          <p:cNvPr id="96" name="Straight Arrow Connector 95"/>
-          <p:cNvCxnSpPr/>
-          <p:nvPr/>
-        </p:nvCxnSpPr>
-        <p:spPr>
-          <a:xfrm>
-            <a:off x="3477609" y="2770646"/>
-            <a:ext cx="367678" cy="12320"/>
-          </a:xfrm>
-          <a:prstGeom prst="straightConnector1">
-            <a:avLst/>
-          </a:prstGeom>
-          <a:ln w="19050">
-            <a:solidFill>
-              <a:srgbClr val="7030A0"/>
-            </a:solidFill>
-            <a:headEnd type="none" w="med" len="med"/>
-            <a:tailEnd type="arrow" w="med" len="med"/>
-          </a:ln>
-          <a:effectLst/>
-        </p:spPr>
-        <p:style>
-          <a:lnRef idx="1">
-            <a:schemeClr val="accent2"/>
-          </a:lnRef>
-          <a:fillRef idx="2">
-            <a:schemeClr val="accent2"/>
-          </a:fillRef>
-          <a:effectRef idx="1">
-            <a:schemeClr val="accent2"/>
-          </a:effectRef>
-          <a:fontRef idx="minor">
-            <a:schemeClr val="dk1"/>
-          </a:fontRef>
-        </p:style>
-      </p:cxnSp>
-      <p:sp>
-        <p:nvSpPr>
-          <p:cNvPr id="98" name="Flowchart: Decision 96"/>
-          <p:cNvSpPr/>
-          <p:nvPr/>
-        </p:nvSpPr>
-        <p:spPr>
-          <a:xfrm>
-            <a:off x="6174500" y="2705100"/>
-            <a:ext cx="236048" cy="173380"/>
-          </a:xfrm>
-          <a:prstGeom prst="flowChartDecision">
-            <a:avLst/>
-          </a:prstGeom>
-          <a:solidFill>
-            <a:srgbClr val="7030A0"/>
-          </a:solidFill>
-          <a:ln w="19050">
-            <a:solidFill>
-              <a:srgbClr val="7030A0"/>
-            </a:solidFill>
-          </a:ln>
-          <a:effectLst/>
-        </p:spPr>
-        <p:style>
-          <a:lnRef idx="1">
-            <a:schemeClr val="accent6"/>
-          </a:lnRef>
-          <a:fillRef idx="2">
-            <a:schemeClr val="accent6"/>
-          </a:fillRef>
-          <a:effectRef idx="1">
-            <a:schemeClr val="accent6"/>
-          </a:effectRef>
-          <a:fontRef idx="minor">
-            <a:schemeClr val="dk1"/>
-          </a:fontRef>
-        </p:style>
-        <p:txBody>
-          <a:bodyPr rtlCol="0" anchor="ctr"/>
-          <a:lstStyle/>
-          <a:p>
-            <a:pPr algn="ctr"/>
-            <a:endParaRPr lang="en-US" sz="1050"/>
-          </a:p>
-        </p:txBody>
-      </p:sp>
-      <p:sp>
-        <p:nvSpPr>
-          <p:cNvPr id="101" name="Rectangle 8"/>
-          <p:cNvSpPr/>
-          <p:nvPr/>
-        </p:nvSpPr>
-        <p:spPr>
-          <a:xfrm>
-            <a:off x="7568002" y="2651600"/>
-            <a:ext cx="898202" cy="285783"/>
-          </a:xfrm>
-          <a:prstGeom prst="rect">
-            <a:avLst/>
-          </a:prstGeom>
-          <a:ln w="19050">
-            <a:solidFill>
-              <a:srgbClr val="7030A0"/>
-            </a:solidFill>
-          </a:ln>
-          <a:effectLst/>
-        </p:spPr>
-        <p:style>
-          <a:lnRef idx="1">
-            <a:schemeClr val="accent4"/>
-          </a:lnRef>
-          <a:fillRef idx="2">
-            <a:schemeClr val="accent4"/>
-          </a:fillRef>
-          <a:effectRef idx="1">
-            <a:schemeClr val="accent4"/>
-          </a:effectRef>
-          <a:fontRef idx="minor">
-            <a:schemeClr val="dk1"/>
-          </a:fontRef>
-        </p:style>
-        <p:txBody>
-          <a:bodyPr rtlCol="0" anchor="ctr"/>
-          <a:lstStyle/>
-          <a:p>
-            <a:pPr algn="ctr"/>
-            <a:r>
-              <a:rPr lang="en-US" sz="1050" dirty="0" smtClean="0">
-                <a:solidFill>
-                  <a:srgbClr val="7030A0"/>
-                </a:solidFill>
-              </a:rPr>
-              <a:t>Name</a:t>
-            </a:r>
-            <a:endParaRPr lang="en-SG" sz="1050" dirty="0">
-              <a:solidFill>
-                <a:srgbClr val="7030A0"/>
-              </a:solidFill>
-            </a:endParaRPr>
-          </a:p>
-        </p:txBody>
-      </p:sp>
-      <p:sp>
-        <p:nvSpPr>
-          <p:cNvPr id="102" name="Rectangle 8"/>
-          <p:cNvSpPr/>
-          <p:nvPr/>
-        </p:nvSpPr>
-        <p:spPr>
-          <a:xfrm>
-            <a:off x="7568002" y="3042163"/>
-            <a:ext cx="898202" cy="285783"/>
-          </a:xfrm>
-          <a:prstGeom prst="rect">
-            <a:avLst/>
-          </a:prstGeom>
-          <a:ln w="19050">
-            <a:solidFill>
-              <a:srgbClr val="7030A0"/>
-            </a:solidFill>
-          </a:ln>
-          <a:effectLst/>
-        </p:spPr>
-        <p:style>
-          <a:lnRef idx="1">
-            <a:schemeClr val="accent4"/>
-          </a:lnRef>
-          <a:fillRef idx="2">
-            <a:schemeClr val="accent4"/>
-          </a:fillRef>
-          <a:effectRef idx="1">
-            <a:schemeClr val="accent4"/>
-          </a:effectRef>
-          <a:fontRef idx="minor">
-            <a:schemeClr val="dk1"/>
-          </a:fontRef>
-        </p:style>
-        <p:txBody>
-          <a:bodyPr rtlCol="0" anchor="ctr"/>
-          <a:lstStyle/>
-          <a:p>
-            <a:pPr algn="ctr"/>
-            <a:r>
-              <a:rPr lang="en-US" sz="1050" dirty="0" smtClean="0">
-                <a:solidFill>
-                  <a:srgbClr val="7030A0"/>
-                </a:solidFill>
-              </a:rPr>
-              <a:t>Username</a:t>
-            </a:r>
-            <a:endParaRPr lang="en-SG" sz="1050" dirty="0">
-              <a:solidFill>
-                <a:srgbClr val="7030A0"/>
-              </a:solidFill>
-            </a:endParaRPr>
-          </a:p>
-        </p:txBody>
-      </p:sp>
-      <p:sp>
-        <p:nvSpPr>
-          <p:cNvPr id="103" name="Rectangle 8"/>
-          <p:cNvSpPr/>
-          <p:nvPr/>
-        </p:nvSpPr>
-        <p:spPr>
-          <a:xfrm>
-            <a:off x="7568002" y="3398231"/>
-            <a:ext cx="898202" cy="285783"/>
-          </a:xfrm>
-          <a:prstGeom prst="rect">
-            <a:avLst/>
-          </a:prstGeom>
-          <a:ln w="19050">
-            <a:solidFill>
-              <a:srgbClr val="7030A0"/>
-            </a:solidFill>
-          </a:ln>
-          <a:effectLst/>
-        </p:spPr>
-        <p:style>
-          <a:lnRef idx="1">
-            <a:schemeClr val="accent4"/>
-          </a:lnRef>
-          <a:fillRef idx="2">
-            <a:schemeClr val="accent4"/>
-          </a:fillRef>
-          <a:effectRef idx="1">
-            <a:schemeClr val="accent4"/>
-          </a:effectRef>
-          <a:fontRef idx="minor">
-            <a:schemeClr val="dk1"/>
-          </a:fontRef>
-        </p:style>
-        <p:txBody>
-          <a:bodyPr rtlCol="0" anchor="ctr"/>
-          <a:lstStyle/>
-          <a:p>
-            <a:pPr algn="ctr"/>
-            <a:r>
-              <a:rPr lang="en-US" sz="1050" dirty="0" smtClean="0">
-                <a:solidFill>
-                  <a:srgbClr val="7030A0"/>
-                </a:solidFill>
-              </a:rPr>
-              <a:t>Password</a:t>
-            </a:r>
-            <a:endParaRPr lang="en-SG" sz="1050" dirty="0">
-              <a:solidFill>
-                <a:srgbClr val="7030A0"/>
-              </a:solidFill>
-            </a:endParaRPr>
-          </a:p>
-        </p:txBody>
-      </p:sp>
-      <p:cxnSp>
-        <p:nvCxnSpPr>
-          <p:cNvPr id="104" name="Elbow Connector 103"/>
-          <p:cNvCxnSpPr>
-            <a:stCxn id="98" idx="3"/>
-            <a:endCxn id="101" idx="1"/>
-          </p:cNvCxnSpPr>
-          <p:nvPr/>
-        </p:nvCxnSpPr>
-        <p:spPr>
-          <a:xfrm>
-            <a:off x="6410548" y="2791790"/>
-            <a:ext cx="1157454" cy="2702"/>
-          </a:xfrm>
-          <a:prstGeom prst="bentConnector3">
-            <a:avLst>
-              <a:gd name="adj1" fmla="val 50000"/>
-            </a:avLst>
-          </a:prstGeom>
-          <a:ln w="19050">
-            <a:solidFill>
-              <a:srgbClr val="7030A0"/>
-            </a:solidFill>
-            <a:headEnd type="none" w="med" len="med"/>
-            <a:tailEnd type="arrow" w="med" len="med"/>
-          </a:ln>
-          <a:effectLst/>
-        </p:spPr>
-        <p:style>
-          <a:lnRef idx="1">
-            <a:schemeClr val="accent2"/>
-          </a:lnRef>
-          <a:fillRef idx="2">
-            <a:schemeClr val="accent2"/>
-          </a:fillRef>
-          <a:effectRef idx="1">
-            <a:schemeClr val="accent2"/>
-          </a:effectRef>
-          <a:fontRef idx="minor">
-            <a:schemeClr val="dk1"/>
-          </a:fontRef>
-        </p:style>
-      </p:cxnSp>
-      <p:cxnSp>
-        <p:nvCxnSpPr>
-          <p:cNvPr id="105" name="Elbow Connector 104"/>
-          <p:cNvCxnSpPr>
-            <a:stCxn id="98" idx="3"/>
-            <a:endCxn id="102" idx="1"/>
-          </p:cNvCxnSpPr>
-          <p:nvPr/>
-        </p:nvCxnSpPr>
-        <p:spPr>
-          <a:xfrm>
-            <a:off x="6410548" y="2791790"/>
-            <a:ext cx="1157454" cy="393265"/>
-          </a:xfrm>
-          <a:prstGeom prst="bentConnector3">
-            <a:avLst>
-              <a:gd name="adj1" fmla="val 50000"/>
-            </a:avLst>
-          </a:prstGeom>
-          <a:ln w="19050">
-            <a:solidFill>
-              <a:srgbClr val="7030A0"/>
-            </a:solidFill>
-            <a:headEnd type="none" w="med" len="med"/>
-            <a:tailEnd type="arrow" w="med" len="med"/>
-          </a:ln>
-          <a:effectLst/>
-        </p:spPr>
-        <p:style>
-          <a:lnRef idx="1">
-            <a:schemeClr val="accent2"/>
-          </a:lnRef>
-          <a:fillRef idx="2">
-            <a:schemeClr val="accent2"/>
-          </a:fillRef>
-          <a:effectRef idx="1">
-            <a:schemeClr val="accent2"/>
-          </a:effectRef>
-          <a:fontRef idx="minor">
-            <a:schemeClr val="dk1"/>
-          </a:fontRef>
-        </p:style>
-      </p:cxnSp>
-      <p:cxnSp>
-        <p:nvCxnSpPr>
-          <p:cNvPr id="108" name="Elbow Connector 107"/>
-          <p:cNvCxnSpPr>
-            <a:stCxn id="98" idx="3"/>
-            <a:endCxn id="103" idx="1"/>
-          </p:cNvCxnSpPr>
-          <p:nvPr/>
-        </p:nvCxnSpPr>
-        <p:spPr>
-          <a:xfrm>
-            <a:off x="6410548" y="2791790"/>
-            <a:ext cx="1157454" cy="749333"/>
-          </a:xfrm>
-          <a:prstGeom prst="bentConnector3">
-            <a:avLst>
-              <a:gd name="adj1" fmla="val 50000"/>
-            </a:avLst>
-          </a:prstGeom>
-          <a:ln w="19050">
-            <a:solidFill>
-              <a:srgbClr val="7030A0"/>
-            </a:solidFill>
-            <a:headEnd type="none" w="med" len="med"/>
-            <a:tailEnd type="arrow" w="med" len="med"/>
-          </a:ln>
-          <a:effectLst/>
-        </p:spPr>
-        <p:style>
-          <a:lnRef idx="1">
-            <a:schemeClr val="accent2"/>
-          </a:lnRef>
-          <a:fillRef idx="2">
-            <a:schemeClr val="accent2"/>
-          </a:fillRef>
-          <a:effectRef idx="1">
-            <a:schemeClr val="accent2"/>
-          </a:effectRef>
-          <a:fontRef idx="minor">
-            <a:schemeClr val="dk1"/>
-          </a:fontRef>
-        </p:style>
-      </p:cxnSp>
-      <p:sp>
-        <p:nvSpPr>
-          <p:cNvPr id="111" name="Rectangle 8"/>
-          <p:cNvSpPr/>
-          <p:nvPr/>
-        </p:nvSpPr>
-        <p:spPr>
-          <a:xfrm>
-            <a:off x="1998249" y="3746174"/>
-            <a:ext cx="1715407" cy="334856"/>
-          </a:xfrm>
-          <a:prstGeom prst="rect">
-            <a:avLst/>
-          </a:prstGeom>
-          <a:ln w="19050">
-            <a:solidFill>
-              <a:srgbClr val="7030A0"/>
-            </a:solidFill>
-          </a:ln>
-          <a:effectLst/>
-        </p:spPr>
-        <p:style>
-          <a:lnRef idx="1">
-            <a:schemeClr val="accent4"/>
-          </a:lnRef>
-          <a:fillRef idx="2">
-            <a:schemeClr val="accent4"/>
-          </a:fillRef>
-          <a:effectRef idx="1">
-            <a:schemeClr val="accent4"/>
-          </a:effectRef>
-          <a:fontRef idx="minor">
-            <a:schemeClr val="dk1"/>
-          </a:fontRef>
-        </p:style>
-        <p:txBody>
-          <a:bodyPr rtlCol="0" anchor="ctr"/>
-          <a:lstStyle/>
-          <a:p>
-            <a:pPr algn="ctr"/>
-            <a:r>
-              <a:rPr lang="en-US" sz="1050" smtClean="0">
-                <a:solidFill>
-                  <a:srgbClr val="7030A0"/>
-                </a:solidFill>
-              </a:rPr>
-              <a:t>VersionedDeliverymenList</a:t>
-            </a:r>
-            <a:endParaRPr lang="en-SG" sz="1050" dirty="0">
-              <a:solidFill>
-                <a:srgbClr val="7030A0"/>
-              </a:solidFill>
-            </a:endParaRPr>
-          </a:p>
-        </p:txBody>
-      </p:sp>
-      <p:grpSp>
-        <p:nvGrpSpPr>
-          <p:cNvPr id="43" name="Group 42"/>
-          <p:cNvGrpSpPr/>
-          <p:nvPr/>
-        </p:nvGrpSpPr>
-        <p:grpSpPr>
-          <a:xfrm>
-            <a:off x="1561282" y="3831450"/>
-            <a:ext cx="436968" cy="173380"/>
-            <a:chOff x="2388312" y="4956232"/>
-            <a:chExt cx="436968" cy="173380"/>
-          </a:xfrm>
-        </p:grpSpPr>
-        <p:cxnSp>
-          <p:nvCxnSpPr>
-            <p:cNvPr id="112" name="Straight Arrow Connector 111"/>
-            <p:cNvCxnSpPr/>
-            <p:nvPr/>
-          </p:nvCxnSpPr>
-          <p:spPr>
-            <a:xfrm>
-              <a:off x="2624360" y="5042922"/>
-              <a:ext cx="200920" cy="10557"/>
-            </a:xfrm>
-            <a:prstGeom prst="straightConnector1">
-              <a:avLst/>
-            </a:prstGeom>
-            <a:ln w="19050">
-              <a:solidFill>
-                <a:srgbClr val="7030A0"/>
-              </a:solidFill>
-              <a:headEnd type="none" w="med" len="med"/>
-              <a:tailEnd type="arrow" w="med" len="med"/>
-            </a:ln>
-            <a:effectLst/>
-          </p:spPr>
-          <p:style>
-            <a:lnRef idx="1">
-              <a:schemeClr val="accent2"/>
-            </a:lnRef>
-            <a:fillRef idx="2">
-              <a:schemeClr val="accent2"/>
-            </a:fillRef>
-            <a:effectRef idx="1">
-              <a:schemeClr val="accent2"/>
-            </a:effectRef>
-            <a:fontRef idx="minor">
-              <a:schemeClr val="dk1"/>
-            </a:fontRef>
-          </p:style>
-        </p:cxnSp>
-        <p:sp>
-          <p:nvSpPr>
-            <p:cNvPr id="113" name="Flowchart: Decision 96"/>
-            <p:cNvSpPr/>
-            <p:nvPr/>
-          </p:nvSpPr>
-          <p:spPr>
-            <a:xfrm>
-              <a:off x="2388312" y="4956232"/>
-              <a:ext cx="236048" cy="173380"/>
-            </a:xfrm>
-            <a:prstGeom prst="flowChartDecision">
-              <a:avLst/>
-            </a:prstGeom>
-            <a:noFill/>
-            <a:ln w="19050">
-              <a:solidFill>
-                <a:srgbClr val="7030A0"/>
-              </a:solidFill>
-            </a:ln>
-            <a:effectLst/>
-          </p:spPr>
-          <p:style>
-            <a:lnRef idx="1">
-              <a:schemeClr val="accent6"/>
-            </a:lnRef>
-            <a:fillRef idx="2">
-              <a:schemeClr val="accent6"/>
-            </a:fillRef>
-            <a:effectRef idx="1">
-              <a:schemeClr val="accent6"/>
-            </a:effectRef>
-            <a:fontRef idx="minor">
-              <a:schemeClr val="dk1"/>
-            </a:fontRef>
-          </p:style>
-          <p:txBody>
-            <a:bodyPr rtlCol="0" anchor="ctr"/>
-            <a:lstStyle/>
-            <a:p>
-              <a:pPr algn="ctr"/>
-              <a:endParaRPr lang="en-US" sz="1050"/>
-            </a:p>
-          </p:txBody>
-        </p:sp>
-      </p:grpSp>
-      <p:sp>
-        <p:nvSpPr>
-          <p:cNvPr id="115" name="TextBox 114"/>
-          <p:cNvSpPr txBox="1"/>
-          <p:nvPr/>
-        </p:nvSpPr>
-        <p:spPr>
-          <a:xfrm>
-            <a:off x="1740125" y="3684014"/>
-            <a:ext cx="170110" cy="137542"/>
-          </a:xfrm>
-          <a:prstGeom prst="rect">
-            <a:avLst/>
-          </a:prstGeom>
-          <a:noFill/>
-        </p:spPr>
-        <p:txBody>
-          <a:bodyPr wrap="square" lIns="0" tIns="0" rIns="0" bIns="0" rtlCol="0">
-            <a:noAutofit/>
-          </a:bodyPr>
-          <a:lstStyle/>
-          <a:p>
-            <a:pPr algn="ctr"/>
-            <a:r>
-              <a:rPr lang="en-US" sz="1100" dirty="0">
-                <a:solidFill>
-                  <a:srgbClr val="7030A0"/>
-                </a:solidFill>
-              </a:rPr>
-              <a:t>1</a:t>
-            </a:r>
-            <a:endParaRPr lang="en-SG" sz="1100" dirty="0">
-              <a:solidFill>
-                <a:srgbClr val="7030A0"/>
-              </a:solidFill>
-            </a:endParaRPr>
-          </a:p>
-        </p:txBody>
-      </p:sp>
-      <p:sp>
-        <p:nvSpPr>
-          <p:cNvPr id="116" name="Rectangle 8"/>
-          <p:cNvSpPr/>
-          <p:nvPr/>
-        </p:nvSpPr>
-        <p:spPr>
-          <a:xfrm>
-            <a:off x="4101486" y="3757080"/>
-            <a:ext cx="1521380" cy="346760"/>
-          </a:xfrm>
-          <a:prstGeom prst="rect">
-            <a:avLst/>
-          </a:prstGeom>
-          <a:ln w="19050">
-            <a:solidFill>
-              <a:srgbClr val="7030A0"/>
-            </a:solidFill>
-          </a:ln>
-          <a:effectLst/>
-        </p:spPr>
-        <p:style>
-          <a:lnRef idx="1">
-            <a:schemeClr val="accent4"/>
-          </a:lnRef>
-          <a:fillRef idx="2">
-            <a:schemeClr val="accent4"/>
-          </a:fillRef>
-          <a:effectRef idx="1">
-            <a:schemeClr val="accent4"/>
-          </a:effectRef>
-          <a:fontRef idx="minor">
-            <a:schemeClr val="dk1"/>
-          </a:fontRef>
-        </p:style>
-        <p:txBody>
-          <a:bodyPr rtlCol="0" anchor="ctr"/>
-          <a:lstStyle/>
-          <a:p>
-            <a:pPr algn="ctr"/>
-            <a:r>
-              <a:rPr lang="en-US" sz="1050" dirty="0" err="1" smtClean="0">
-                <a:solidFill>
-                  <a:srgbClr val="7030A0"/>
-                </a:solidFill>
-              </a:rPr>
-              <a:t>UniqueDeliverymenList</a:t>
-            </a:r>
-            <a:endParaRPr lang="en-SG" sz="1050" dirty="0">
-              <a:solidFill>
-                <a:srgbClr val="7030A0"/>
-              </a:solidFill>
-            </a:endParaRPr>
-          </a:p>
-        </p:txBody>
-      </p:sp>
-      <p:grpSp>
-        <p:nvGrpSpPr>
-          <p:cNvPr id="45" name="Group 44"/>
-          <p:cNvGrpSpPr/>
-          <p:nvPr/>
-        </p:nvGrpSpPr>
-        <p:grpSpPr>
-          <a:xfrm>
-            <a:off x="5624600" y="3842717"/>
-            <a:ext cx="454926" cy="173380"/>
-            <a:chOff x="6094617" y="4965056"/>
-            <a:chExt cx="454926" cy="173380"/>
-          </a:xfrm>
-        </p:grpSpPr>
-        <p:sp>
-          <p:nvSpPr>
-            <p:cNvPr id="121" name="Flowchart: Decision 96"/>
-            <p:cNvSpPr/>
-            <p:nvPr/>
-          </p:nvSpPr>
-          <p:spPr>
-            <a:xfrm>
-              <a:off x="6094617" y="4965056"/>
-              <a:ext cx="236048" cy="173380"/>
-            </a:xfrm>
-            <a:prstGeom prst="flowChartDecision">
-              <a:avLst/>
-            </a:prstGeom>
-            <a:noFill/>
-            <a:ln w="19050">
-              <a:solidFill>
-                <a:srgbClr val="7030A0"/>
-              </a:solidFill>
-            </a:ln>
-            <a:effectLst/>
-          </p:spPr>
-          <p:style>
-            <a:lnRef idx="1">
-              <a:schemeClr val="accent6"/>
-            </a:lnRef>
-            <a:fillRef idx="2">
-              <a:schemeClr val="accent6"/>
-            </a:fillRef>
-            <a:effectRef idx="1">
-              <a:schemeClr val="accent6"/>
-            </a:effectRef>
-            <a:fontRef idx="minor">
-              <a:schemeClr val="dk1"/>
-            </a:fontRef>
-          </p:style>
-          <p:txBody>
-            <a:bodyPr rtlCol="0" anchor="ctr"/>
-            <a:lstStyle/>
-            <a:p>
-              <a:pPr algn="ctr"/>
-              <a:endParaRPr lang="en-US" sz="1050"/>
-            </a:p>
-          </p:txBody>
-        </p:sp>
-        <p:cxnSp>
-          <p:nvCxnSpPr>
-            <p:cNvPr id="123" name="Elbow Connector 122"/>
-            <p:cNvCxnSpPr/>
-            <p:nvPr/>
-          </p:nvCxnSpPr>
-          <p:spPr>
-            <a:xfrm>
-              <a:off x="6330665" y="5051746"/>
-              <a:ext cx="218878" cy="3080"/>
-            </a:xfrm>
-            <a:prstGeom prst="bentConnector3">
-              <a:avLst/>
-            </a:prstGeom>
-            <a:ln w="19050">
-              <a:solidFill>
-                <a:srgbClr val="7030A0"/>
-              </a:solidFill>
-              <a:headEnd type="none" w="med" len="med"/>
-              <a:tailEnd type="arrow" w="med" len="med"/>
-            </a:ln>
-            <a:effectLst/>
-          </p:spPr>
-          <p:style>
-            <a:lnRef idx="1">
-              <a:schemeClr val="accent2"/>
-            </a:lnRef>
-            <a:fillRef idx="2">
-              <a:schemeClr val="accent2"/>
-            </a:fillRef>
-            <a:effectRef idx="1">
-              <a:schemeClr val="accent2"/>
-            </a:effectRef>
-            <a:fontRef idx="minor">
-              <a:schemeClr val="dk1"/>
-            </a:fontRef>
-          </p:style>
-        </p:cxnSp>
-      </p:grpSp>
-      <p:sp>
-        <p:nvSpPr>
-          <p:cNvPr id="125" name="TextBox 124"/>
-          <p:cNvSpPr txBox="1"/>
-          <p:nvPr/>
-        </p:nvSpPr>
-        <p:spPr>
-          <a:xfrm>
-            <a:off x="3837905" y="4001282"/>
-            <a:ext cx="189257" cy="178683"/>
-          </a:xfrm>
-          <a:prstGeom prst="rect">
-            <a:avLst/>
-          </a:prstGeom>
-          <a:noFill/>
-        </p:spPr>
-        <p:txBody>
-          <a:bodyPr wrap="square" lIns="0" tIns="0" rIns="0" bIns="0" rtlCol="0">
-            <a:noAutofit/>
-          </a:bodyPr>
-          <a:lstStyle/>
-          <a:p>
-            <a:pPr algn="ctr"/>
-            <a:r>
-              <a:rPr lang="en-US" sz="1100" dirty="0">
-                <a:solidFill>
-                  <a:srgbClr val="7030A0"/>
-                </a:solidFill>
-              </a:rPr>
-              <a:t>1</a:t>
-            </a:r>
-            <a:endParaRPr lang="en-SG" sz="1100" dirty="0">
-              <a:solidFill>
-                <a:srgbClr val="7030A0"/>
-              </a:solidFill>
-            </a:endParaRPr>
-          </a:p>
-        </p:txBody>
-      </p:sp>
-      <p:sp>
-        <p:nvSpPr>
-          <p:cNvPr id="126" name="TextBox 125"/>
-          <p:cNvSpPr txBox="1"/>
-          <p:nvPr/>
-        </p:nvSpPr>
-        <p:spPr>
-          <a:xfrm>
-            <a:off x="5799281" y="3984604"/>
-            <a:ext cx="189257" cy="178683"/>
-          </a:xfrm>
-          <a:prstGeom prst="rect">
-            <a:avLst/>
-          </a:prstGeom>
-          <a:noFill/>
-        </p:spPr>
-        <p:txBody>
-          <a:bodyPr wrap="square" lIns="0" tIns="0" rIns="0" bIns="0" rtlCol="0">
-            <a:noAutofit/>
-          </a:bodyPr>
-          <a:lstStyle/>
-          <a:p>
-            <a:pPr algn="ctr"/>
-            <a:r>
-              <a:rPr lang="en-US" sz="1100" dirty="0">
-                <a:solidFill>
-                  <a:srgbClr val="7030A0"/>
-                </a:solidFill>
-              </a:rPr>
-              <a:t>*</a:t>
-            </a:r>
-            <a:endParaRPr lang="en-SG" sz="1100" dirty="0">
-              <a:solidFill>
-                <a:srgbClr val="7030A0"/>
-              </a:solidFill>
-            </a:endParaRPr>
-          </a:p>
-        </p:txBody>
-      </p:sp>
-      <p:grpSp>
-        <p:nvGrpSpPr>
-          <p:cNvPr id="44" name="Group 43"/>
-          <p:cNvGrpSpPr/>
-          <p:nvPr/>
-        </p:nvGrpSpPr>
-        <p:grpSpPr>
-          <a:xfrm>
-            <a:off x="3733808" y="3831450"/>
-            <a:ext cx="367678" cy="173380"/>
-            <a:chOff x="4560838" y="4943912"/>
-            <a:chExt cx="367678" cy="173380"/>
-          </a:xfrm>
-        </p:grpSpPr>
-        <p:sp>
-          <p:nvSpPr>
-            <p:cNvPr id="117" name="Flowchart: Decision 96"/>
-            <p:cNvSpPr/>
-            <p:nvPr/>
-          </p:nvSpPr>
-          <p:spPr>
-            <a:xfrm>
-              <a:off x="4560838" y="4943912"/>
-              <a:ext cx="236048" cy="173380"/>
-            </a:xfrm>
-            <a:prstGeom prst="flowChartDecision">
-              <a:avLst/>
-            </a:prstGeom>
-            <a:solidFill>
-              <a:srgbClr val="7030A0"/>
-            </a:solidFill>
-            <a:ln w="19050">
-              <a:solidFill>
-                <a:srgbClr val="7030A0"/>
-              </a:solidFill>
-            </a:ln>
-            <a:effectLst/>
-          </p:spPr>
-          <p:style>
-            <a:lnRef idx="1">
-              <a:schemeClr val="accent6"/>
-            </a:lnRef>
-            <a:fillRef idx="2">
-              <a:schemeClr val="accent6"/>
-            </a:fillRef>
-            <a:effectRef idx="1">
-              <a:schemeClr val="accent6"/>
-            </a:effectRef>
-            <a:fontRef idx="minor">
-              <a:schemeClr val="dk1"/>
-            </a:fontRef>
-          </p:style>
-          <p:txBody>
-            <a:bodyPr rtlCol="0" anchor="ctr"/>
-            <a:lstStyle/>
-            <a:p>
-              <a:pPr algn="ctr"/>
-              <a:endParaRPr lang="en-US" sz="1050"/>
-            </a:p>
-          </p:txBody>
-        </p:sp>
-        <p:cxnSp>
-          <p:nvCxnSpPr>
-            <p:cNvPr id="127" name="Straight Arrow Connector 126"/>
-            <p:cNvCxnSpPr/>
-            <p:nvPr/>
-          </p:nvCxnSpPr>
-          <p:spPr>
-            <a:xfrm>
-              <a:off x="4560838" y="5030602"/>
-              <a:ext cx="367678" cy="12320"/>
-            </a:xfrm>
-            <a:prstGeom prst="straightConnector1">
-              <a:avLst/>
-            </a:prstGeom>
-            <a:ln w="19050">
-              <a:solidFill>
-                <a:srgbClr val="7030A0"/>
-              </a:solidFill>
-              <a:headEnd type="none" w="med" len="med"/>
-              <a:tailEnd type="arrow" w="med" len="med"/>
-            </a:ln>
-            <a:effectLst/>
-          </p:spPr>
-          <p:style>
-            <a:lnRef idx="1">
-              <a:schemeClr val="accent2"/>
-            </a:lnRef>
-            <a:fillRef idx="2">
-              <a:schemeClr val="accent2"/>
-            </a:fillRef>
-            <a:effectRef idx="1">
-              <a:schemeClr val="accent2"/>
-            </a:effectRef>
-            <a:fontRef idx="minor">
-              <a:schemeClr val="dk1"/>
-            </a:fontRef>
-          </p:style>
-        </p:cxnSp>
-      </p:grpSp>
-      <p:sp>
-        <p:nvSpPr>
-          <p:cNvPr id="128" name="Rectangle 8"/>
-          <p:cNvSpPr/>
-          <p:nvPr/>
-        </p:nvSpPr>
-        <p:spPr>
-          <a:xfrm>
-            <a:off x="6083707" y="3750920"/>
-            <a:ext cx="918057" cy="346760"/>
-          </a:xfrm>
-          <a:prstGeom prst="rect">
-            <a:avLst/>
-          </a:prstGeom>
-          <a:ln w="19050">
-            <a:solidFill>
-              <a:srgbClr val="7030A0"/>
-            </a:solidFill>
-          </a:ln>
-          <a:effectLst/>
-        </p:spPr>
-        <p:style>
-          <a:lnRef idx="1">
-            <a:schemeClr val="accent4"/>
-          </a:lnRef>
-          <a:fillRef idx="2">
-            <a:schemeClr val="accent4"/>
-          </a:fillRef>
-          <a:effectRef idx="1">
-            <a:schemeClr val="accent4"/>
-          </a:effectRef>
-          <a:fontRef idx="minor">
-            <a:schemeClr val="dk1"/>
-          </a:fontRef>
-        </p:style>
-        <p:txBody>
-          <a:bodyPr rtlCol="0" anchor="ctr"/>
-          <a:lstStyle/>
-          <a:p>
-            <a:pPr algn="ctr"/>
-            <a:r>
-              <a:rPr lang="en-US" sz="1050" smtClean="0">
-                <a:solidFill>
-                  <a:srgbClr val="7030A0"/>
-                </a:solidFill>
-              </a:rPr>
-              <a:t>Deliveryman</a:t>
-            </a:r>
-            <a:endParaRPr lang="en-SG" sz="1050" dirty="0">
-              <a:solidFill>
-                <a:srgbClr val="7030A0"/>
-              </a:solidFill>
-            </a:endParaRPr>
-          </a:p>
-        </p:txBody>
-      </p:sp>
-      <p:sp>
-        <p:nvSpPr>
-          <p:cNvPr id="129" name="Flowchart: Decision 96"/>
-          <p:cNvSpPr/>
-          <p:nvPr/>
-        </p:nvSpPr>
-        <p:spPr>
-          <a:xfrm>
-            <a:off x="7020439" y="3849145"/>
-            <a:ext cx="236048" cy="173380"/>
-          </a:xfrm>
-          <a:prstGeom prst="flowChartDecision">
-            <a:avLst/>
-          </a:prstGeom>
-          <a:solidFill>
-            <a:srgbClr val="7030A0"/>
-          </a:solidFill>
-          <a:ln w="19050">
-            <a:solidFill>
-              <a:srgbClr val="7030A0"/>
-            </a:solidFill>
-          </a:ln>
-          <a:effectLst/>
-        </p:spPr>
-        <p:style>
-          <a:lnRef idx="1">
-            <a:schemeClr val="accent6"/>
-          </a:lnRef>
-          <a:fillRef idx="2">
-            <a:schemeClr val="accent6"/>
-          </a:fillRef>
-          <a:effectRef idx="1">
-            <a:schemeClr val="accent6"/>
-          </a:effectRef>
-          <a:fontRef idx="minor">
-            <a:schemeClr val="dk1"/>
-          </a:fontRef>
-        </p:style>
-        <p:txBody>
-          <a:bodyPr rtlCol="0" anchor="ctr"/>
-          <a:lstStyle/>
-          <a:p>
-            <a:pPr algn="ctr"/>
-            <a:endParaRPr lang="en-US" sz="1050"/>
-          </a:p>
-        </p:txBody>
-      </p:sp>
-      <p:sp>
-        <p:nvSpPr>
-          <p:cNvPr id="130" name="Rectangle 8"/>
-          <p:cNvSpPr/>
-          <p:nvPr/>
-        </p:nvSpPr>
-        <p:spPr>
-          <a:xfrm>
-            <a:off x="7568796" y="3795247"/>
-            <a:ext cx="898202" cy="285783"/>
-          </a:xfrm>
-          <a:prstGeom prst="rect">
-            <a:avLst/>
-          </a:prstGeom>
-          <a:ln w="19050">
-            <a:solidFill>
-              <a:srgbClr val="7030A0"/>
-            </a:solidFill>
-          </a:ln>
-          <a:effectLst/>
-        </p:spPr>
-        <p:style>
-          <a:lnRef idx="1">
-            <a:schemeClr val="accent4"/>
-          </a:lnRef>
-          <a:fillRef idx="2">
-            <a:schemeClr val="accent4"/>
-          </a:fillRef>
-          <a:effectRef idx="1">
-            <a:schemeClr val="accent4"/>
-          </a:effectRef>
-          <a:fontRef idx="minor">
-            <a:schemeClr val="dk1"/>
-          </a:fontRef>
-        </p:style>
-        <p:txBody>
-          <a:bodyPr rtlCol="0" anchor="ctr"/>
-          <a:lstStyle/>
-          <a:p>
-            <a:pPr algn="ctr"/>
-            <a:r>
-              <a:rPr lang="en-US" sz="1050" dirty="0" smtClean="0">
-                <a:solidFill>
-                  <a:srgbClr val="7030A0"/>
-                </a:solidFill>
-              </a:rPr>
-              <a:t>Name</a:t>
-            </a:r>
-            <a:endParaRPr lang="en-SG" sz="1050" dirty="0">
-              <a:solidFill>
-                <a:srgbClr val="7030A0"/>
-              </a:solidFill>
-            </a:endParaRPr>
-          </a:p>
-        </p:txBody>
-      </p:sp>
-      <p:cxnSp>
-        <p:nvCxnSpPr>
-          <p:cNvPr id="131" name="Elbow Connector 130"/>
-          <p:cNvCxnSpPr>
-            <a:stCxn id="129" idx="3"/>
-            <a:endCxn id="130" idx="1"/>
-          </p:cNvCxnSpPr>
-          <p:nvPr/>
-        </p:nvCxnSpPr>
-        <p:spPr>
-          <a:xfrm>
-            <a:off x="7256487" y="3935835"/>
-            <a:ext cx="312309" cy="2304"/>
-          </a:xfrm>
-          <a:prstGeom prst="bentConnector3">
-            <a:avLst>
-              <a:gd name="adj1" fmla="val 50000"/>
-            </a:avLst>
-          </a:prstGeom>
-          <a:ln w="19050">
-            <a:solidFill>
-              <a:srgbClr val="7030A0"/>
-            </a:solidFill>
-            <a:headEnd type="none" w="med" len="med"/>
-            <a:tailEnd type="arrow" w="med" len="med"/>
-          </a:ln>
-          <a:effectLst/>
-        </p:spPr>
-        <p:style>
-          <a:lnRef idx="1">
-            <a:schemeClr val="accent2"/>
-          </a:lnRef>
-          <a:fillRef idx="2">
-            <a:schemeClr val="accent2"/>
-          </a:fillRef>
-          <a:effectRef idx="1">
-            <a:schemeClr val="accent2"/>
-          </a:effectRef>
-          <a:fontRef idx="minor">
-            <a:schemeClr val="dk1"/>
-          </a:fontRef>
-        </p:style>
-      </p:cxnSp>
-      <p:cxnSp>
-        <p:nvCxnSpPr>
-          <p:cNvPr id="150" name="Elbow Connector 149"/>
-          <p:cNvCxnSpPr>
-            <a:cxnSpLocks/>
-          </p:cNvCxnSpPr>
-          <p:nvPr/>
-        </p:nvCxnSpPr>
-        <p:spPr>
-          <a:xfrm flipV="1">
-            <a:off x="1519823" y="2971332"/>
-            <a:ext cx="4279458" cy="178683"/>
-          </a:xfrm>
-          <a:prstGeom prst="bentConnector2">
-            <a:avLst/>
-          </a:prstGeom>
-          <a:ln w="19050">
-            <a:solidFill>
-              <a:srgbClr val="7030A0"/>
-            </a:solidFill>
-            <a:prstDash val="solid"/>
-            <a:headEnd type="none" w="med" len="med"/>
-            <a:tailEnd type="arrow" w="med" len="med"/>
-          </a:ln>
-          <a:effectLst/>
-        </p:spPr>
-        <p:style>
-          <a:lnRef idx="1">
-            <a:schemeClr val="accent2"/>
-          </a:lnRef>
-          <a:fillRef idx="2">
-            <a:schemeClr val="accent2"/>
-          </a:fillRef>
-          <a:effectRef idx="1">
-            <a:schemeClr val="accent2"/>
-          </a:effectRef>
-          <a:fontRef idx="minor">
-            <a:schemeClr val="dk1"/>
-          </a:fontRef>
-        </p:style>
-      </p:cxnSp>
-      <p:sp>
-        <p:nvSpPr>
-          <p:cNvPr id="151" name="TextBox 150"/>
-          <p:cNvSpPr txBox="1"/>
-          <p:nvPr/>
-        </p:nvSpPr>
-        <p:spPr>
-          <a:xfrm>
-            <a:off x="4912893" y="3115836"/>
-            <a:ext cx="881018" cy="261610"/>
-          </a:xfrm>
-          <a:prstGeom prst="rect">
-            <a:avLst/>
-          </a:prstGeom>
-          <a:noFill/>
-        </p:spPr>
-        <p:txBody>
-          <a:bodyPr wrap="square" rtlCol="0">
-            <a:spAutoFit/>
-          </a:bodyPr>
-          <a:lstStyle/>
-          <a:p>
-            <a:pPr algn="r"/>
-            <a:r>
-              <a:rPr lang="en-US" sz="1100" dirty="0">
-                <a:solidFill>
-                  <a:srgbClr val="7030A0"/>
-                </a:solidFill>
-              </a:rPr>
-              <a:t>filtered list</a:t>
-            </a:r>
-            <a:endParaRPr lang="en-SG" sz="1100" dirty="0">
-              <a:solidFill>
-                <a:srgbClr val="7030A0"/>
-              </a:solidFill>
-            </a:endParaRPr>
-          </a:p>
-        </p:txBody>
-      </p:sp>
-      <p:sp>
-        <p:nvSpPr>
-          <p:cNvPr id="152" name="TextBox 151"/>
-          <p:cNvSpPr txBox="1"/>
-          <p:nvPr/>
-        </p:nvSpPr>
-        <p:spPr>
-          <a:xfrm>
-            <a:off x="5547823" y="2971332"/>
-            <a:ext cx="189257" cy="178683"/>
-          </a:xfrm>
-          <a:prstGeom prst="rect">
-            <a:avLst/>
-          </a:prstGeom>
-          <a:noFill/>
-        </p:spPr>
-        <p:txBody>
-          <a:bodyPr wrap="square" lIns="0" tIns="0" rIns="0" bIns="0" rtlCol="0">
-            <a:noAutofit/>
-          </a:bodyPr>
-          <a:lstStyle/>
-          <a:p>
-            <a:pPr algn="ctr"/>
-            <a:r>
-              <a:rPr lang="en-US" sz="1100" dirty="0">
-                <a:solidFill>
-                  <a:srgbClr val="7030A0"/>
-                </a:solidFill>
-              </a:rPr>
-              <a:t>1</a:t>
-            </a:r>
-            <a:endParaRPr lang="en-SG" sz="1100" dirty="0">
-              <a:solidFill>
-                <a:srgbClr val="7030A0"/>
-              </a:solidFill>
-            </a:endParaRPr>
-          </a:p>
-        </p:txBody>
-      </p:sp>
-      <p:cxnSp>
-        <p:nvCxnSpPr>
-          <p:cNvPr id="159" name="Elbow Connector 158"/>
-          <p:cNvCxnSpPr>
-            <a:cxnSpLocks/>
-            <a:endCxn id="128" idx="2"/>
-          </p:cNvCxnSpPr>
-          <p:nvPr/>
-        </p:nvCxnSpPr>
-        <p:spPr>
-          <a:xfrm flipV="1">
-            <a:off x="1525631" y="4097680"/>
-            <a:ext cx="5017105" cy="224961"/>
-          </a:xfrm>
-          <a:prstGeom prst="bentConnector2">
-            <a:avLst/>
-          </a:prstGeom>
-          <a:ln w="19050">
-            <a:solidFill>
-              <a:srgbClr val="7030A0"/>
-            </a:solidFill>
-            <a:prstDash val="solid"/>
-            <a:headEnd type="none" w="med" len="med"/>
-            <a:tailEnd type="arrow" w="med" len="med"/>
-          </a:ln>
-          <a:effectLst/>
-        </p:spPr>
-        <p:style>
-          <a:lnRef idx="1">
-            <a:schemeClr val="accent2"/>
-          </a:lnRef>
-          <a:fillRef idx="2">
-            <a:schemeClr val="accent2"/>
-          </a:fillRef>
-          <a:effectRef idx="1">
-            <a:schemeClr val="accent2"/>
-          </a:effectRef>
-          <a:fontRef idx="minor">
-            <a:schemeClr val="dk1"/>
-          </a:fontRef>
-        </p:style>
-      </p:cxnSp>
-      <p:sp>
-        <p:nvSpPr>
-          <p:cNvPr id="160" name="TextBox 159"/>
-          <p:cNvSpPr txBox="1"/>
-          <p:nvPr/>
-        </p:nvSpPr>
-        <p:spPr>
-          <a:xfrm>
-            <a:off x="5672182" y="4288461"/>
-            <a:ext cx="881018" cy="261610"/>
-          </a:xfrm>
-          <a:prstGeom prst="rect">
-            <a:avLst/>
-          </a:prstGeom>
-          <a:noFill/>
-        </p:spPr>
-        <p:txBody>
-          <a:bodyPr wrap="square" rtlCol="0">
-            <a:spAutoFit/>
-          </a:bodyPr>
-          <a:lstStyle/>
-          <a:p>
-            <a:pPr algn="r"/>
-            <a:r>
-              <a:rPr lang="en-US" sz="1100" dirty="0">
-                <a:solidFill>
-                  <a:srgbClr val="7030A0"/>
-                </a:solidFill>
-              </a:rPr>
-              <a:t>filtered list</a:t>
-            </a:r>
-            <a:endParaRPr lang="en-SG" sz="1100" dirty="0">
-              <a:solidFill>
-                <a:srgbClr val="7030A0"/>
-              </a:solidFill>
-            </a:endParaRPr>
-          </a:p>
-        </p:txBody>
-      </p:sp>
-      <p:sp>
-        <p:nvSpPr>
-          <p:cNvPr id="161" name="TextBox 160"/>
-          <p:cNvSpPr txBox="1"/>
-          <p:nvPr/>
-        </p:nvSpPr>
-        <p:spPr>
-          <a:xfrm>
-            <a:off x="6287743" y="4143957"/>
-            <a:ext cx="189257" cy="178683"/>
-          </a:xfrm>
-          <a:prstGeom prst="rect">
-            <a:avLst/>
-          </a:prstGeom>
-          <a:noFill/>
-        </p:spPr>
-        <p:txBody>
-          <a:bodyPr wrap="square" lIns="0" tIns="0" rIns="0" bIns="0" rtlCol="0">
-            <a:noAutofit/>
-          </a:bodyPr>
-          <a:lstStyle/>
-          <a:p>
-            <a:pPr algn="ctr"/>
-            <a:r>
-              <a:rPr lang="en-US" sz="1100" dirty="0">
-                <a:solidFill>
-                  <a:srgbClr val="7030A0"/>
-                </a:solidFill>
-              </a:rPr>
-              <a:t>1</a:t>
-            </a:r>
-            <a:endParaRPr lang="en-SG" sz="1100" dirty="0">
-              <a:solidFill>
-                <a:srgbClr val="7030A0"/>
-              </a:solidFill>
-            </a:endParaRPr>
-          </a:p>
-        </p:txBody>
-      </p:sp>
-      <p:sp>
-        <p:nvSpPr>
-          <p:cNvPr id="164" name="Rectangle 8"/>
-          <p:cNvSpPr/>
-          <p:nvPr/>
-        </p:nvSpPr>
-        <p:spPr>
-          <a:xfrm>
-            <a:off x="2021108" y="5152308"/>
-            <a:ext cx="1093635" cy="346760"/>
-          </a:xfrm>
-          <a:prstGeom prst="rect">
-            <a:avLst/>
-          </a:prstGeom>
-          <a:solidFill>
-            <a:srgbClr val="7030A0"/>
-          </a:solidFill>
-          <a:ln w="19050">
-            <a:solidFill>
-              <a:srgbClr val="7030A0"/>
-            </a:solidFill>
-          </a:ln>
-          <a:effectLst/>
-        </p:spPr>
-        <p:style>
-          <a:lnRef idx="1">
-            <a:schemeClr val="accent2"/>
-          </a:lnRef>
-          <a:fillRef idx="2">
-            <a:schemeClr val="accent2"/>
-          </a:fillRef>
-          <a:effectRef idx="1">
-            <a:schemeClr val="accent2"/>
-          </a:effectRef>
-          <a:fontRef idx="minor">
-            <a:schemeClr val="dk1"/>
-          </a:fontRef>
-        </p:style>
-        <p:txBody>
-          <a:bodyPr rtlCol="0" anchor="ctr"/>
-          <a:lstStyle/>
-          <a:p>
-            <a:pPr algn="ctr"/>
-            <a:r>
-              <a:rPr lang="en-US" sz="1050" dirty="0" err="1" smtClean="0">
-                <a:solidFill>
-                  <a:schemeClr val="bg1"/>
-                </a:solidFill>
-              </a:rPr>
-              <a:t>UserSession</a:t>
-            </a:r>
-            <a:endParaRPr lang="en-SG" sz="1050" dirty="0">
-              <a:solidFill>
-                <a:schemeClr val="bg1"/>
-              </a:solidFill>
-            </a:endParaRPr>
-          </a:p>
-        </p:txBody>
-      </p:sp>
-      <p:grpSp>
-        <p:nvGrpSpPr>
-          <p:cNvPr id="171" name="Group 170"/>
-          <p:cNvGrpSpPr/>
-          <p:nvPr/>
-        </p:nvGrpSpPr>
-        <p:grpSpPr>
-          <a:xfrm>
-            <a:off x="1561282" y="5211169"/>
-            <a:ext cx="436968" cy="173380"/>
-            <a:chOff x="2388312" y="4956232"/>
-            <a:chExt cx="436968" cy="173380"/>
-          </a:xfrm>
-        </p:grpSpPr>
-        <p:cxnSp>
-          <p:nvCxnSpPr>
-            <p:cNvPr id="172" name="Straight Arrow Connector 171"/>
-            <p:cNvCxnSpPr/>
-            <p:nvPr/>
-          </p:nvCxnSpPr>
-          <p:spPr>
-            <a:xfrm>
-              <a:off x="2624360" y="5042922"/>
-              <a:ext cx="200920" cy="10557"/>
-            </a:xfrm>
-            <a:prstGeom prst="straightConnector1">
-              <a:avLst/>
-            </a:prstGeom>
-            <a:ln w="19050">
-              <a:solidFill>
-                <a:srgbClr val="7030A0"/>
-              </a:solidFill>
-              <a:headEnd type="none" w="med" len="med"/>
-              <a:tailEnd type="arrow" w="med" len="med"/>
-            </a:ln>
-            <a:effectLst/>
-          </p:spPr>
-          <p:style>
-            <a:lnRef idx="1">
-              <a:schemeClr val="accent2"/>
-            </a:lnRef>
-            <a:fillRef idx="2">
-              <a:schemeClr val="accent2"/>
-            </a:fillRef>
-            <a:effectRef idx="1">
-              <a:schemeClr val="accent2"/>
-            </a:effectRef>
-            <a:fontRef idx="minor">
-              <a:schemeClr val="dk1"/>
-            </a:fontRef>
-          </p:style>
-        </p:cxnSp>
-        <p:sp>
-          <p:nvSpPr>
-            <p:cNvPr id="173" name="Flowchart: Decision 96"/>
-            <p:cNvSpPr/>
-            <p:nvPr/>
-          </p:nvSpPr>
-          <p:spPr>
-            <a:xfrm>
-              <a:off x="2388312" y="4956232"/>
-              <a:ext cx="236048" cy="173380"/>
-            </a:xfrm>
-            <a:prstGeom prst="flowChartDecision">
-              <a:avLst/>
-            </a:prstGeom>
-            <a:noFill/>
-            <a:ln w="19050">
-              <a:solidFill>
-                <a:srgbClr val="7030A0"/>
-              </a:solidFill>
-            </a:ln>
-            <a:effectLst/>
-          </p:spPr>
-          <p:style>
-            <a:lnRef idx="1">
-              <a:schemeClr val="accent6"/>
-            </a:lnRef>
-            <a:fillRef idx="2">
-              <a:schemeClr val="accent6"/>
-            </a:fillRef>
-            <a:effectRef idx="1">
-              <a:schemeClr val="accent6"/>
-            </a:effectRef>
-            <a:fontRef idx="minor">
-              <a:schemeClr val="dk1"/>
-            </a:fontRef>
-          </p:style>
-          <p:txBody>
-            <a:bodyPr rtlCol="0" anchor="ctr"/>
-            <a:lstStyle/>
-            <a:p>
-              <a:pPr algn="ctr"/>
-              <a:endParaRPr lang="en-US" sz="1050"/>
-            </a:p>
-          </p:txBody>
-        </p:sp>
-      </p:grpSp>
-      <p:sp>
-        <p:nvSpPr>
-          <p:cNvPr id="174" name="TextBox 173"/>
-          <p:cNvSpPr txBox="1"/>
-          <p:nvPr/>
-        </p:nvSpPr>
-        <p:spPr>
-          <a:xfrm>
-            <a:off x="1729867" y="5112908"/>
-            <a:ext cx="189257" cy="178683"/>
-          </a:xfrm>
-          <a:prstGeom prst="rect">
-            <a:avLst/>
-          </a:prstGeom>
-          <a:noFill/>
-        </p:spPr>
-        <p:txBody>
-          <a:bodyPr wrap="square" lIns="0" tIns="0" rIns="0" bIns="0" rtlCol="0">
-            <a:noAutofit/>
-          </a:bodyPr>
-          <a:lstStyle/>
-          <a:p>
-            <a:pPr algn="ctr"/>
-            <a:r>
-              <a:rPr lang="en-US" sz="1100" dirty="0">
-                <a:solidFill>
-                  <a:srgbClr val="7030A0"/>
-                </a:solidFill>
-              </a:rPr>
-              <a:t>1</a:t>
-            </a:r>
-            <a:endParaRPr lang="en-SG" sz="1100" dirty="0">
-              <a:solidFill>
-                <a:srgbClr val="7030A0"/>
-              </a:solidFill>
-            </a:endParaRPr>
-          </a:p>
-        </p:txBody>
-      </p:sp>
-      <p:sp>
-        <p:nvSpPr>
-          <p:cNvPr id="106" name="Rectangle 8"/>
-          <p:cNvSpPr/>
-          <p:nvPr/>
-        </p:nvSpPr>
-        <p:spPr>
-          <a:xfrm>
-            <a:off x="7577610" y="4172982"/>
-            <a:ext cx="898202" cy="285783"/>
-          </a:xfrm>
-          <a:prstGeom prst="rect">
-            <a:avLst/>
-          </a:prstGeom>
-          <a:ln w="19050">
-            <a:solidFill>
-              <a:srgbClr val="7030A0"/>
-            </a:solidFill>
-          </a:ln>
-          <a:effectLst/>
-        </p:spPr>
-        <p:style>
-          <a:lnRef idx="1">
-            <a:schemeClr val="accent4"/>
-          </a:lnRef>
-          <a:fillRef idx="2">
-            <a:schemeClr val="accent4"/>
-          </a:fillRef>
-          <a:effectRef idx="1">
-            <a:schemeClr val="accent4"/>
-          </a:effectRef>
-          <a:fontRef idx="minor">
-            <a:schemeClr val="dk1"/>
-          </a:fontRef>
-        </p:style>
-        <p:txBody>
-          <a:bodyPr rtlCol="0" anchor="ctr"/>
-          <a:lstStyle/>
-          <a:p>
-            <a:pPr algn="ctr"/>
-            <a:r>
-              <a:rPr lang="en-US" sz="1050" dirty="0" smtClean="0">
-                <a:solidFill>
-                  <a:srgbClr val="7030A0"/>
-                </a:solidFill>
-              </a:rPr>
-              <a:t>Order</a:t>
-            </a:r>
-            <a:endParaRPr lang="en-SG" sz="1050" dirty="0">
-              <a:solidFill>
-                <a:srgbClr val="7030A0"/>
-              </a:solidFill>
-            </a:endParaRPr>
-          </a:p>
-        </p:txBody>
-      </p:sp>
-      <p:cxnSp>
-        <p:nvCxnSpPr>
-          <p:cNvPr id="109" name="Elbow Connector 108"/>
-          <p:cNvCxnSpPr>
-            <a:stCxn id="129" idx="3"/>
-            <a:endCxn id="106" idx="1"/>
-          </p:cNvCxnSpPr>
-          <p:nvPr/>
-        </p:nvCxnSpPr>
-        <p:spPr>
-          <a:xfrm>
-            <a:off x="7256487" y="3935835"/>
-            <a:ext cx="321123" cy="380039"/>
-          </a:xfrm>
-          <a:prstGeom prst="bentConnector3">
-            <a:avLst>
-              <a:gd name="adj1" fmla="val 50000"/>
-            </a:avLst>
-          </a:prstGeom>
-          <a:ln w="19050">
-            <a:solidFill>
-              <a:srgbClr val="7030A0"/>
-            </a:solidFill>
-            <a:headEnd type="none" w="med" len="med"/>
-            <a:tailEnd type="arrow" w="med" len="med"/>
-          </a:ln>
-          <a:effectLst/>
-        </p:spPr>
-        <p:style>
-          <a:lnRef idx="1">
-            <a:schemeClr val="accent2"/>
-          </a:lnRef>
-          <a:fillRef idx="2">
-            <a:schemeClr val="accent2"/>
-          </a:fillRef>
-          <a:effectRef idx="1">
-            <a:schemeClr val="accent2"/>
-          </a:effectRef>
-          <a:fontRef idx="minor">
-            <a:schemeClr val="dk1"/>
-          </a:fontRef>
-        </p:style>
-      </p:cxnSp>
-      <p:sp>
-        <p:nvSpPr>
-          <p:cNvPr id="110" name="TextBox 109"/>
-          <p:cNvSpPr txBox="1"/>
-          <p:nvPr/>
-        </p:nvSpPr>
-        <p:spPr>
-          <a:xfrm>
-            <a:off x="7237571" y="4233298"/>
-            <a:ext cx="189257" cy="178683"/>
-          </a:xfrm>
-          <a:prstGeom prst="rect">
-            <a:avLst/>
-          </a:prstGeom>
-          <a:noFill/>
-        </p:spPr>
-        <p:txBody>
-          <a:bodyPr wrap="square" lIns="0" tIns="0" rIns="0" bIns="0" rtlCol="0">
-            <a:noAutofit/>
-          </a:bodyPr>
-          <a:lstStyle/>
-          <a:p>
-            <a:pPr algn="ctr"/>
-            <a:r>
-              <a:rPr lang="en-US" sz="1100" dirty="0">
-                <a:solidFill>
-                  <a:srgbClr val="7030A0"/>
-                </a:solidFill>
-              </a:rPr>
-              <a:t>*</a:t>
-            </a:r>
-            <a:endParaRPr lang="en-SG" sz="1100" dirty="0">
-              <a:solidFill>
-                <a:srgbClr val="7030A0"/>
-              </a:solidFill>
-            </a:endParaRPr>
-          </a:p>
-        </p:txBody>
-      </p:sp>
     </p:spTree>
     <p:extLst>
       <p:ext uri="{BB962C8B-B14F-4D97-AF65-F5344CB8AC3E}">
